--- a/EbenGunadi_Assignment4_Task2.pptx
+++ b/EbenGunadi_Assignment4_Task2.pptx
@@ -11,33 +11,37 @@
     <p:sldMasterId id="2147483751" r:id="rId7"/>
   </p:sldMasterIdLst>
   <p:notesMasterIdLst>
-    <p:notesMasterId r:id="rId10"/>
+    <p:notesMasterId r:id="rId14"/>
   </p:notesMasterIdLst>
   <p:sldIdLst>
     <p:sldId id="285" r:id="rId8"/>
-    <p:sldId id="261" r:id="rId9"/>
+    <p:sldId id="286" r:id="rId9"/>
+    <p:sldId id="281" r:id="rId10"/>
+    <p:sldId id="287" r:id="rId11"/>
+    <p:sldId id="288" r:id="rId12"/>
+    <p:sldId id="261" r:id="rId13"/>
   </p:sldIdLst>
   <p:sldSz cx="9144000" cy="5143500" type="screen16x9"/>
   <p:notesSz cx="6858000" cy="9144000"/>
   <p:embeddedFontLst>
     <p:embeddedFont>
       <p:font typeface="Calibri" panose="020F0502020204030204" pitchFamily="34" charset="0"/>
-      <p:regular r:id="rId11"/>
-      <p:bold r:id="rId12"/>
-      <p:italic r:id="rId13"/>
-      <p:boldItalic r:id="rId14"/>
+      <p:regular r:id="rId15"/>
+      <p:bold r:id="rId16"/>
+      <p:italic r:id="rId17"/>
+      <p:boldItalic r:id="rId18"/>
     </p:embeddedFont>
     <p:embeddedFont>
       <p:font typeface="Calibri Light" panose="020F0302020204030204" pitchFamily="34" charset="0"/>
-      <p:regular r:id="rId15"/>
-      <p:italic r:id="rId16"/>
+      <p:regular r:id="rId19"/>
+      <p:italic r:id="rId20"/>
     </p:embeddedFont>
     <p:embeddedFont>
       <p:font typeface="Helvetica Neue" panose="02000503000000020004" pitchFamily="2" charset="0"/>
-      <p:regular r:id="rId17"/>
-      <p:bold r:id="rId18"/>
-      <p:italic r:id="rId19"/>
-      <p:boldItalic r:id="rId20"/>
+      <p:regular r:id="rId21"/>
+      <p:bold r:id="rId22"/>
+      <p:italic r:id="rId23"/>
+      <p:boldItalic r:id="rId24"/>
     </p:embeddedFont>
   </p:embeddedFontLst>
   <p:defaultTextStyle>
@@ -870,6 +874,442 @@
 </file>
 
 <file path=ppt/notesSlides/notesSlide2.xml><?xml version="1.0" encoding="utf-8"?>
+<p:notes xmlns:a="http://schemas.openxmlformats.org/drawingml/2006/main" xmlns:r="http://schemas.openxmlformats.org/officeDocument/2006/relationships" xmlns:p="http://schemas.openxmlformats.org/presentationml/2006/main" showMasterSp="0" showMasterPhAnim="0">
+  <p:cSld>
+    <p:spTree>
+      <p:nvGrpSpPr>
+        <p:cNvPr id="1" name="Shape 151"/>
+        <p:cNvGrpSpPr/>
+        <p:nvPr/>
+      </p:nvGrpSpPr>
+      <p:grpSpPr>
+        <a:xfrm>
+          <a:off x="0" y="0"/>
+          <a:ext cx="0" cy="0"/>
+          <a:chOff x="0" y="0"/>
+          <a:chExt cx="0" cy="0"/>
+        </a:xfrm>
+      </p:grpSpPr>
+      <p:sp>
+        <p:nvSpPr>
+          <p:cNvPr id="152" name="Google Shape;152;g1d80c9bf161_11_5:notes"/>
+          <p:cNvSpPr>
+            <a:spLocks noGrp="1" noRot="1" noChangeAspect="1"/>
+          </p:cNvSpPr>
+          <p:nvPr>
+            <p:ph type="sldImg" idx="2"/>
+          </p:nvPr>
+        </p:nvSpPr>
+        <p:spPr>
+          <a:xfrm>
+            <a:off x="381000" y="685800"/>
+            <a:ext cx="6096000" cy="3429000"/>
+          </a:xfrm>
+          <a:custGeom>
+            <a:avLst/>
+            <a:gdLst/>
+            <a:ahLst/>
+            <a:cxnLst/>
+            <a:rect l="l" t="t" r="r" b="b"/>
+            <a:pathLst>
+              <a:path w="120000" h="120000" extrusionOk="0">
+                <a:moveTo>
+                  <a:pt x="0" y="0"/>
+                </a:moveTo>
+                <a:lnTo>
+                  <a:pt x="120000" y="0"/>
+                </a:lnTo>
+                <a:lnTo>
+                  <a:pt x="120000" y="120000"/>
+                </a:lnTo>
+                <a:lnTo>
+                  <a:pt x="0" y="120000"/>
+                </a:lnTo>
+                <a:close/>
+              </a:path>
+            </a:pathLst>
+          </a:custGeom>
+        </p:spPr>
+      </p:sp>
+      <p:sp>
+        <p:nvSpPr>
+          <p:cNvPr id="153" name="Google Shape;153;g1d80c9bf161_11_5:notes"/>
+          <p:cNvSpPr txBox="1">
+            <a:spLocks noGrp="1"/>
+          </p:cNvSpPr>
+          <p:nvPr>
+            <p:ph type="body" idx="1"/>
+          </p:nvPr>
+        </p:nvSpPr>
+        <p:spPr>
+          <a:xfrm>
+            <a:off x="685800" y="4343400"/>
+            <a:ext cx="5486400" cy="4114800"/>
+          </a:xfrm>
+          <a:prstGeom prst="rect">
+            <a:avLst/>
+          </a:prstGeom>
+        </p:spPr>
+        <p:txBody>
+          <a:bodyPr spcFirstLastPara="1" wrap="square" lIns="91425" tIns="91425" rIns="91425" bIns="91425" anchor="t" anchorCtr="0">
+            <a:noAutofit/>
+          </a:bodyPr>
+          <a:lstStyle/>
+          <a:p>
+            <a:pPr marL="0" lvl="0" indent="0" algn="l" rtl="0">
+              <a:spcBef>
+                <a:spcPts val="0"/>
+              </a:spcBef>
+              <a:spcAft>
+                <a:spcPts val="0"/>
+              </a:spcAft>
+              <a:buNone/>
+            </a:pPr>
+            <a:endParaRPr/>
+          </a:p>
+        </p:txBody>
+      </p:sp>
+    </p:spTree>
+    <p:extLst>
+      <p:ext uri="{BB962C8B-B14F-4D97-AF65-F5344CB8AC3E}">
+        <p14:creationId xmlns:p14="http://schemas.microsoft.com/office/powerpoint/2010/main" val="965133235"/>
+      </p:ext>
+    </p:extLst>
+  </p:cSld>
+  <p:clrMapOvr>
+    <a:masterClrMapping/>
+  </p:clrMapOvr>
+</p:notes>
+</file>
+
+<file path=ppt/notesSlides/notesSlide3.xml><?xml version="1.0" encoding="utf-8"?>
+<p:notes xmlns:a="http://schemas.openxmlformats.org/drawingml/2006/main" xmlns:r="http://schemas.openxmlformats.org/officeDocument/2006/relationships" xmlns:p="http://schemas.openxmlformats.org/presentationml/2006/main" showMasterSp="0" showMasterPhAnim="0">
+  <p:cSld>
+    <p:spTree>
+      <p:nvGrpSpPr>
+        <p:cNvPr id="1" name="Shape 151"/>
+        <p:cNvGrpSpPr/>
+        <p:nvPr/>
+      </p:nvGrpSpPr>
+      <p:grpSpPr>
+        <a:xfrm>
+          <a:off x="0" y="0"/>
+          <a:ext cx="0" cy="0"/>
+          <a:chOff x="0" y="0"/>
+          <a:chExt cx="0" cy="0"/>
+        </a:xfrm>
+      </p:grpSpPr>
+      <p:sp>
+        <p:nvSpPr>
+          <p:cNvPr id="152" name="Google Shape;152;g1d80c9bf161_11_5:notes"/>
+          <p:cNvSpPr>
+            <a:spLocks noGrp="1" noRot="1" noChangeAspect="1"/>
+          </p:cNvSpPr>
+          <p:nvPr>
+            <p:ph type="sldImg" idx="2"/>
+          </p:nvPr>
+        </p:nvSpPr>
+        <p:spPr>
+          <a:xfrm>
+            <a:off x="381000" y="685800"/>
+            <a:ext cx="6096000" cy="3429000"/>
+          </a:xfrm>
+          <a:custGeom>
+            <a:avLst/>
+            <a:gdLst/>
+            <a:ahLst/>
+            <a:cxnLst/>
+            <a:rect l="l" t="t" r="r" b="b"/>
+            <a:pathLst>
+              <a:path w="120000" h="120000" extrusionOk="0">
+                <a:moveTo>
+                  <a:pt x="0" y="0"/>
+                </a:moveTo>
+                <a:lnTo>
+                  <a:pt x="120000" y="0"/>
+                </a:lnTo>
+                <a:lnTo>
+                  <a:pt x="120000" y="120000"/>
+                </a:lnTo>
+                <a:lnTo>
+                  <a:pt x="0" y="120000"/>
+                </a:lnTo>
+                <a:close/>
+              </a:path>
+            </a:pathLst>
+          </a:custGeom>
+        </p:spPr>
+      </p:sp>
+      <p:sp>
+        <p:nvSpPr>
+          <p:cNvPr id="153" name="Google Shape;153;g1d80c9bf161_11_5:notes"/>
+          <p:cNvSpPr txBox="1">
+            <a:spLocks noGrp="1"/>
+          </p:cNvSpPr>
+          <p:nvPr>
+            <p:ph type="body" idx="1"/>
+          </p:nvPr>
+        </p:nvSpPr>
+        <p:spPr>
+          <a:xfrm>
+            <a:off x="685800" y="4343400"/>
+            <a:ext cx="5486400" cy="4114800"/>
+          </a:xfrm>
+          <a:prstGeom prst="rect">
+            <a:avLst/>
+          </a:prstGeom>
+        </p:spPr>
+        <p:txBody>
+          <a:bodyPr spcFirstLastPara="1" wrap="square" lIns="91425" tIns="91425" rIns="91425" bIns="91425" anchor="t" anchorCtr="0">
+            <a:noAutofit/>
+          </a:bodyPr>
+          <a:lstStyle/>
+          <a:p>
+            <a:pPr marL="0" lvl="0" indent="0" algn="l" rtl="0">
+              <a:spcBef>
+                <a:spcPts val="0"/>
+              </a:spcBef>
+              <a:spcAft>
+                <a:spcPts val="0"/>
+              </a:spcAft>
+              <a:buNone/>
+            </a:pPr>
+            <a:endParaRPr/>
+          </a:p>
+        </p:txBody>
+      </p:sp>
+    </p:spTree>
+    <p:extLst>
+      <p:ext uri="{BB962C8B-B14F-4D97-AF65-F5344CB8AC3E}">
+        <p14:creationId xmlns:p14="http://schemas.microsoft.com/office/powerpoint/2010/main" val="792400221"/>
+      </p:ext>
+    </p:extLst>
+  </p:cSld>
+  <p:clrMapOvr>
+    <a:masterClrMapping/>
+  </p:clrMapOvr>
+</p:notes>
+</file>
+
+<file path=ppt/notesSlides/notesSlide4.xml><?xml version="1.0" encoding="utf-8"?>
+<p:notes xmlns:a="http://schemas.openxmlformats.org/drawingml/2006/main" xmlns:r="http://schemas.openxmlformats.org/officeDocument/2006/relationships" xmlns:p="http://schemas.openxmlformats.org/presentationml/2006/main" showMasterSp="0" showMasterPhAnim="0">
+  <p:cSld>
+    <p:spTree>
+      <p:nvGrpSpPr>
+        <p:cNvPr id="1" name="Shape 151"/>
+        <p:cNvGrpSpPr/>
+        <p:nvPr/>
+      </p:nvGrpSpPr>
+      <p:grpSpPr>
+        <a:xfrm>
+          <a:off x="0" y="0"/>
+          <a:ext cx="0" cy="0"/>
+          <a:chOff x="0" y="0"/>
+          <a:chExt cx="0" cy="0"/>
+        </a:xfrm>
+      </p:grpSpPr>
+      <p:sp>
+        <p:nvSpPr>
+          <p:cNvPr id="152" name="Google Shape;152;g1d80c9bf161_11_5:notes"/>
+          <p:cNvSpPr>
+            <a:spLocks noGrp="1" noRot="1" noChangeAspect="1"/>
+          </p:cNvSpPr>
+          <p:nvPr>
+            <p:ph type="sldImg" idx="2"/>
+          </p:nvPr>
+        </p:nvSpPr>
+        <p:spPr>
+          <a:xfrm>
+            <a:off x="381000" y="685800"/>
+            <a:ext cx="6096000" cy="3429000"/>
+          </a:xfrm>
+          <a:custGeom>
+            <a:avLst/>
+            <a:gdLst/>
+            <a:ahLst/>
+            <a:cxnLst/>
+            <a:rect l="l" t="t" r="r" b="b"/>
+            <a:pathLst>
+              <a:path w="120000" h="120000" extrusionOk="0">
+                <a:moveTo>
+                  <a:pt x="0" y="0"/>
+                </a:moveTo>
+                <a:lnTo>
+                  <a:pt x="120000" y="0"/>
+                </a:lnTo>
+                <a:lnTo>
+                  <a:pt x="120000" y="120000"/>
+                </a:lnTo>
+                <a:lnTo>
+                  <a:pt x="0" y="120000"/>
+                </a:lnTo>
+                <a:close/>
+              </a:path>
+            </a:pathLst>
+          </a:custGeom>
+        </p:spPr>
+      </p:sp>
+      <p:sp>
+        <p:nvSpPr>
+          <p:cNvPr id="153" name="Google Shape;153;g1d80c9bf161_11_5:notes"/>
+          <p:cNvSpPr txBox="1">
+            <a:spLocks noGrp="1"/>
+          </p:cNvSpPr>
+          <p:nvPr>
+            <p:ph type="body" idx="1"/>
+          </p:nvPr>
+        </p:nvSpPr>
+        <p:spPr>
+          <a:xfrm>
+            <a:off x="685800" y="4343400"/>
+            <a:ext cx="5486400" cy="4114800"/>
+          </a:xfrm>
+          <a:prstGeom prst="rect">
+            <a:avLst/>
+          </a:prstGeom>
+        </p:spPr>
+        <p:txBody>
+          <a:bodyPr spcFirstLastPara="1" wrap="square" lIns="91425" tIns="91425" rIns="91425" bIns="91425" anchor="t" anchorCtr="0">
+            <a:noAutofit/>
+          </a:bodyPr>
+          <a:lstStyle/>
+          <a:p>
+            <a:pPr marL="0" lvl="0" indent="0" algn="l" rtl="0">
+              <a:spcBef>
+                <a:spcPts val="0"/>
+              </a:spcBef>
+              <a:spcAft>
+                <a:spcPts val="0"/>
+              </a:spcAft>
+              <a:buNone/>
+            </a:pPr>
+            <a:endParaRPr/>
+          </a:p>
+        </p:txBody>
+      </p:sp>
+    </p:spTree>
+    <p:extLst>
+      <p:ext uri="{BB962C8B-B14F-4D97-AF65-F5344CB8AC3E}">
+        <p14:creationId xmlns:p14="http://schemas.microsoft.com/office/powerpoint/2010/main" val="519027933"/>
+      </p:ext>
+    </p:extLst>
+  </p:cSld>
+  <p:clrMapOvr>
+    <a:masterClrMapping/>
+  </p:clrMapOvr>
+</p:notes>
+</file>
+
+<file path=ppt/notesSlides/notesSlide5.xml><?xml version="1.0" encoding="utf-8"?>
+<p:notes xmlns:a="http://schemas.openxmlformats.org/drawingml/2006/main" xmlns:r="http://schemas.openxmlformats.org/officeDocument/2006/relationships" xmlns:p="http://schemas.openxmlformats.org/presentationml/2006/main" showMasterSp="0" showMasterPhAnim="0">
+  <p:cSld>
+    <p:spTree>
+      <p:nvGrpSpPr>
+        <p:cNvPr id="1" name="Shape 151"/>
+        <p:cNvGrpSpPr/>
+        <p:nvPr/>
+      </p:nvGrpSpPr>
+      <p:grpSpPr>
+        <a:xfrm>
+          <a:off x="0" y="0"/>
+          <a:ext cx="0" cy="0"/>
+          <a:chOff x="0" y="0"/>
+          <a:chExt cx="0" cy="0"/>
+        </a:xfrm>
+      </p:grpSpPr>
+      <p:sp>
+        <p:nvSpPr>
+          <p:cNvPr id="152" name="Google Shape;152;g1d80c9bf161_11_5:notes"/>
+          <p:cNvSpPr>
+            <a:spLocks noGrp="1" noRot="1" noChangeAspect="1"/>
+          </p:cNvSpPr>
+          <p:nvPr>
+            <p:ph type="sldImg" idx="2"/>
+          </p:nvPr>
+        </p:nvSpPr>
+        <p:spPr>
+          <a:xfrm>
+            <a:off x="381000" y="685800"/>
+            <a:ext cx="6096000" cy="3429000"/>
+          </a:xfrm>
+          <a:custGeom>
+            <a:avLst/>
+            <a:gdLst/>
+            <a:ahLst/>
+            <a:cxnLst/>
+            <a:rect l="l" t="t" r="r" b="b"/>
+            <a:pathLst>
+              <a:path w="120000" h="120000" extrusionOk="0">
+                <a:moveTo>
+                  <a:pt x="0" y="0"/>
+                </a:moveTo>
+                <a:lnTo>
+                  <a:pt x="120000" y="0"/>
+                </a:lnTo>
+                <a:lnTo>
+                  <a:pt x="120000" y="120000"/>
+                </a:lnTo>
+                <a:lnTo>
+                  <a:pt x="0" y="120000"/>
+                </a:lnTo>
+                <a:close/>
+              </a:path>
+            </a:pathLst>
+          </a:custGeom>
+        </p:spPr>
+      </p:sp>
+      <p:sp>
+        <p:nvSpPr>
+          <p:cNvPr id="153" name="Google Shape;153;g1d80c9bf161_11_5:notes"/>
+          <p:cNvSpPr txBox="1">
+            <a:spLocks noGrp="1"/>
+          </p:cNvSpPr>
+          <p:nvPr>
+            <p:ph type="body" idx="1"/>
+          </p:nvPr>
+        </p:nvSpPr>
+        <p:spPr>
+          <a:xfrm>
+            <a:off x="685800" y="4343400"/>
+            <a:ext cx="5486400" cy="4114800"/>
+          </a:xfrm>
+          <a:prstGeom prst="rect">
+            <a:avLst/>
+          </a:prstGeom>
+        </p:spPr>
+        <p:txBody>
+          <a:bodyPr spcFirstLastPara="1" wrap="square" lIns="91425" tIns="91425" rIns="91425" bIns="91425" anchor="t" anchorCtr="0">
+            <a:noAutofit/>
+          </a:bodyPr>
+          <a:lstStyle/>
+          <a:p>
+            <a:pPr marL="0" lvl="0" indent="0" algn="l" rtl="0">
+              <a:spcBef>
+                <a:spcPts val="0"/>
+              </a:spcBef>
+              <a:spcAft>
+                <a:spcPts val="0"/>
+              </a:spcAft>
+              <a:buNone/>
+            </a:pPr>
+            <a:endParaRPr/>
+          </a:p>
+        </p:txBody>
+      </p:sp>
+    </p:spTree>
+    <p:extLst>
+      <p:ext uri="{BB962C8B-B14F-4D97-AF65-F5344CB8AC3E}">
+        <p14:creationId xmlns:p14="http://schemas.microsoft.com/office/powerpoint/2010/main" val="2013972626"/>
+      </p:ext>
+    </p:extLst>
+  </p:cSld>
+  <p:clrMapOvr>
+    <a:masterClrMapping/>
+  </p:clrMapOvr>
+</p:notes>
+</file>
+
+<file path=ppt/notesSlides/notesSlide6.xml><?xml version="1.0" encoding="utf-8"?>
 <p:notes xmlns:a="http://schemas.openxmlformats.org/drawingml/2006/main" xmlns:r="http://schemas.openxmlformats.org/officeDocument/2006/relationships" xmlns:p="http://schemas.openxmlformats.org/presentationml/2006/main" showMasterSp="0" showMasterPhAnim="0">
   <p:cSld>
     <p:spTree>
@@ -55382,6 +55822,2461 @@
 </file>
 
 <file path=ppt/slides/slide2.xml><?xml version="1.0" encoding="utf-8"?>
+<p:sld xmlns:a="http://schemas.openxmlformats.org/drawingml/2006/main" xmlns:r="http://schemas.openxmlformats.org/officeDocument/2006/relationships" xmlns:p="http://schemas.openxmlformats.org/presentationml/2006/main">
+  <p:cSld>
+    <p:spTree>
+      <p:nvGrpSpPr>
+        <p:cNvPr id="1" name="Shape 154"/>
+        <p:cNvGrpSpPr/>
+        <p:nvPr/>
+      </p:nvGrpSpPr>
+      <p:grpSpPr>
+        <a:xfrm>
+          <a:off x="0" y="0"/>
+          <a:ext cx="0" cy="0"/>
+          <a:chOff x="0" y="0"/>
+          <a:chExt cx="0" cy="0"/>
+        </a:xfrm>
+      </p:grpSpPr>
+      <p:sp>
+        <p:nvSpPr>
+          <p:cNvPr id="5" name="Google Shape;155;p27">
+            <a:extLst>
+              <a:ext uri="{FF2B5EF4-FFF2-40B4-BE49-F238E27FC236}">
+                <a16:creationId xmlns:a16="http://schemas.microsoft.com/office/drawing/2014/main" id="{E741B2FA-CB59-C099-844D-607E0FA7A42E}"/>
+              </a:ext>
+            </a:extLst>
+          </p:cNvPr>
+          <p:cNvSpPr txBox="1">
+            <a:spLocks/>
+          </p:cNvSpPr>
+          <p:nvPr/>
+        </p:nvSpPr>
+        <p:spPr>
+          <a:xfrm>
+            <a:off x="404900" y="-28910"/>
+            <a:ext cx="8110446" cy="994172"/>
+          </a:xfrm>
+          <a:prstGeom prst="rect">
+            <a:avLst/>
+          </a:prstGeom>
+          <a:noFill/>
+          <a:ln>
+            <a:noFill/>
+          </a:ln>
+        </p:spPr>
+        <p:txBody>
+          <a:bodyPr spcFirstLastPara="1" wrap="square" lIns="91425" tIns="45700" rIns="91425" bIns="45700" anchor="ctr" anchorCtr="0">
+            <a:normAutofit/>
+          </a:bodyPr>
+          <a:lstStyle>
+            <a:defPPr marR="0" lvl="0" algn="l" rtl="0">
+              <a:lnSpc>
+                <a:spcPct val="100000"/>
+              </a:lnSpc>
+              <a:spcBef>
+                <a:spcPts val="0"/>
+              </a:spcBef>
+              <a:spcAft>
+                <a:spcPts val="0"/>
+              </a:spcAft>
+            </a:defPPr>
+            <a:lvl1pPr marR="0" lvl="0" algn="l" rtl="0" eaLnBrk="1" hangingPunct="1">
+              <a:lnSpc>
+                <a:spcPct val="90000"/>
+              </a:lnSpc>
+              <a:spcBef>
+                <a:spcPts val="0"/>
+              </a:spcBef>
+              <a:spcAft>
+                <a:spcPts val="0"/>
+              </a:spcAft>
+              <a:buClr>
+                <a:srgbClr val="991B1D"/>
+              </a:buClr>
+              <a:buSzPts val="3300"/>
+              <a:buFont typeface="Calibri"/>
+              <a:buNone/>
+              <a:defRPr sz="3300" b="1" i="0" u="none" strike="noStrike" cap="none">
+                <a:solidFill>
+                  <a:srgbClr val="991B1D"/>
+                </a:solidFill>
+                <a:latin typeface="Calibri"/>
+                <a:ea typeface="Calibri"/>
+                <a:cs typeface="Calibri"/>
+                <a:sym typeface="Calibri"/>
+              </a:defRPr>
+            </a:lvl1pPr>
+            <a:lvl2pPr marR="0" lvl="1" algn="l" rtl="0" eaLnBrk="1" hangingPunct="1">
+              <a:lnSpc>
+                <a:spcPct val="100000"/>
+              </a:lnSpc>
+              <a:spcBef>
+                <a:spcPts val="0"/>
+              </a:spcBef>
+              <a:spcAft>
+                <a:spcPts val="0"/>
+              </a:spcAft>
+              <a:buClr>
+                <a:srgbClr val="000000"/>
+              </a:buClr>
+              <a:buSzPts val="1400"/>
+              <a:buFont typeface="Arial"/>
+              <a:buNone/>
+              <a:defRPr sz="1800" b="0" i="0" u="none" strike="noStrike" cap="none">
+                <a:solidFill>
+                  <a:srgbClr val="000000"/>
+                </a:solidFill>
+                <a:latin typeface="Arial"/>
+                <a:ea typeface="Arial"/>
+                <a:cs typeface="Arial"/>
+                <a:sym typeface="Arial"/>
+              </a:defRPr>
+            </a:lvl2pPr>
+            <a:lvl3pPr marR="0" lvl="2" algn="l" rtl="0" eaLnBrk="1" hangingPunct="1">
+              <a:lnSpc>
+                <a:spcPct val="100000"/>
+              </a:lnSpc>
+              <a:spcBef>
+                <a:spcPts val="0"/>
+              </a:spcBef>
+              <a:spcAft>
+                <a:spcPts val="0"/>
+              </a:spcAft>
+              <a:buClr>
+                <a:srgbClr val="000000"/>
+              </a:buClr>
+              <a:buSzPts val="1400"/>
+              <a:buFont typeface="Arial"/>
+              <a:buNone/>
+              <a:defRPr sz="1800" b="0" i="0" u="none" strike="noStrike" cap="none">
+                <a:solidFill>
+                  <a:srgbClr val="000000"/>
+                </a:solidFill>
+                <a:latin typeface="Arial"/>
+                <a:ea typeface="Arial"/>
+                <a:cs typeface="Arial"/>
+                <a:sym typeface="Arial"/>
+              </a:defRPr>
+            </a:lvl3pPr>
+            <a:lvl4pPr marR="0" lvl="3" algn="l" rtl="0" eaLnBrk="1" hangingPunct="1">
+              <a:lnSpc>
+                <a:spcPct val="100000"/>
+              </a:lnSpc>
+              <a:spcBef>
+                <a:spcPts val="0"/>
+              </a:spcBef>
+              <a:spcAft>
+                <a:spcPts val="0"/>
+              </a:spcAft>
+              <a:buClr>
+                <a:srgbClr val="000000"/>
+              </a:buClr>
+              <a:buSzPts val="1400"/>
+              <a:buFont typeface="Arial"/>
+              <a:buNone/>
+              <a:defRPr sz="1800" b="0" i="0" u="none" strike="noStrike" cap="none">
+                <a:solidFill>
+                  <a:srgbClr val="000000"/>
+                </a:solidFill>
+                <a:latin typeface="Arial"/>
+                <a:ea typeface="Arial"/>
+                <a:cs typeface="Arial"/>
+                <a:sym typeface="Arial"/>
+              </a:defRPr>
+            </a:lvl4pPr>
+            <a:lvl5pPr marR="0" lvl="4" algn="l" rtl="0" eaLnBrk="1" hangingPunct="1">
+              <a:lnSpc>
+                <a:spcPct val="100000"/>
+              </a:lnSpc>
+              <a:spcBef>
+                <a:spcPts val="0"/>
+              </a:spcBef>
+              <a:spcAft>
+                <a:spcPts val="0"/>
+              </a:spcAft>
+              <a:buClr>
+                <a:srgbClr val="000000"/>
+              </a:buClr>
+              <a:buSzPts val="1400"/>
+              <a:buFont typeface="Arial"/>
+              <a:buNone/>
+              <a:defRPr sz="1800" b="0" i="0" u="none" strike="noStrike" cap="none">
+                <a:solidFill>
+                  <a:srgbClr val="000000"/>
+                </a:solidFill>
+                <a:latin typeface="Arial"/>
+                <a:ea typeface="Arial"/>
+                <a:cs typeface="Arial"/>
+                <a:sym typeface="Arial"/>
+              </a:defRPr>
+            </a:lvl5pPr>
+            <a:lvl6pPr marR="0" lvl="5" algn="l" rtl="0" eaLnBrk="1" hangingPunct="1">
+              <a:lnSpc>
+                <a:spcPct val="100000"/>
+              </a:lnSpc>
+              <a:spcBef>
+                <a:spcPts val="0"/>
+              </a:spcBef>
+              <a:spcAft>
+                <a:spcPts val="0"/>
+              </a:spcAft>
+              <a:buClr>
+                <a:srgbClr val="000000"/>
+              </a:buClr>
+              <a:buSzPts val="1400"/>
+              <a:buFont typeface="Arial"/>
+              <a:buNone/>
+              <a:defRPr sz="1800" b="0" i="0" u="none" strike="noStrike" cap="none">
+                <a:solidFill>
+                  <a:srgbClr val="000000"/>
+                </a:solidFill>
+                <a:latin typeface="Arial"/>
+                <a:ea typeface="Arial"/>
+                <a:cs typeface="Arial"/>
+                <a:sym typeface="Arial"/>
+              </a:defRPr>
+            </a:lvl6pPr>
+            <a:lvl7pPr marR="0" lvl="6" algn="l" rtl="0" eaLnBrk="1" hangingPunct="1">
+              <a:lnSpc>
+                <a:spcPct val="100000"/>
+              </a:lnSpc>
+              <a:spcBef>
+                <a:spcPts val="0"/>
+              </a:spcBef>
+              <a:spcAft>
+                <a:spcPts val="0"/>
+              </a:spcAft>
+              <a:buClr>
+                <a:srgbClr val="000000"/>
+              </a:buClr>
+              <a:buSzPts val="1400"/>
+              <a:buFont typeface="Arial"/>
+              <a:buNone/>
+              <a:defRPr sz="1800" b="0" i="0" u="none" strike="noStrike" cap="none">
+                <a:solidFill>
+                  <a:srgbClr val="000000"/>
+                </a:solidFill>
+                <a:latin typeface="Arial"/>
+                <a:ea typeface="Arial"/>
+                <a:cs typeface="Arial"/>
+                <a:sym typeface="Arial"/>
+              </a:defRPr>
+            </a:lvl7pPr>
+            <a:lvl8pPr marR="0" lvl="7" algn="l" rtl="0" eaLnBrk="1" hangingPunct="1">
+              <a:lnSpc>
+                <a:spcPct val="100000"/>
+              </a:lnSpc>
+              <a:spcBef>
+                <a:spcPts val="0"/>
+              </a:spcBef>
+              <a:spcAft>
+                <a:spcPts val="0"/>
+              </a:spcAft>
+              <a:buClr>
+                <a:srgbClr val="000000"/>
+              </a:buClr>
+              <a:buSzPts val="1400"/>
+              <a:buFont typeface="Arial"/>
+              <a:buNone/>
+              <a:defRPr sz="1800" b="0" i="0" u="none" strike="noStrike" cap="none">
+                <a:solidFill>
+                  <a:srgbClr val="000000"/>
+                </a:solidFill>
+                <a:latin typeface="Arial"/>
+                <a:ea typeface="Arial"/>
+                <a:cs typeface="Arial"/>
+                <a:sym typeface="Arial"/>
+              </a:defRPr>
+            </a:lvl8pPr>
+            <a:lvl9pPr marR="0" lvl="8" algn="l" rtl="0" eaLnBrk="1" hangingPunct="1">
+              <a:lnSpc>
+                <a:spcPct val="100000"/>
+              </a:lnSpc>
+              <a:spcBef>
+                <a:spcPts val="0"/>
+              </a:spcBef>
+              <a:spcAft>
+                <a:spcPts val="0"/>
+              </a:spcAft>
+              <a:buClr>
+                <a:srgbClr val="000000"/>
+              </a:buClr>
+              <a:buSzPts val="1400"/>
+              <a:buFont typeface="Arial"/>
+              <a:buNone/>
+              <a:defRPr sz="1800" b="0" i="0" u="none" strike="noStrike" cap="none">
+                <a:solidFill>
+                  <a:srgbClr val="000000"/>
+                </a:solidFill>
+                <a:latin typeface="Arial"/>
+                <a:ea typeface="Arial"/>
+                <a:cs typeface="Arial"/>
+                <a:sym typeface="Arial"/>
+              </a:defRPr>
+            </a:lvl9pPr>
+          </a:lstStyle>
+          <a:p>
+            <a:r>
+              <a:rPr lang="en-US" dirty="0">
+                <a:latin typeface="Calibri" panose="020F0502020204030204" pitchFamily="34" charset="0"/>
+                <a:cs typeface="Calibri" panose="020F0502020204030204" pitchFamily="34" charset="0"/>
+              </a:rPr>
+              <a:t>Data</a:t>
+            </a:r>
+          </a:p>
+        </p:txBody>
+      </p:sp>
+      <p:sp>
+        <p:nvSpPr>
+          <p:cNvPr id="2" name="Google Shape;142;p26">
+            <a:extLst>
+              <a:ext uri="{FF2B5EF4-FFF2-40B4-BE49-F238E27FC236}">
+                <a16:creationId xmlns:a16="http://schemas.microsoft.com/office/drawing/2014/main" id="{7BD752DE-513B-0E80-9C0A-29BD5F862B62}"/>
+              </a:ext>
+            </a:extLst>
+          </p:cNvPr>
+          <p:cNvSpPr txBox="1">
+            <a:spLocks noGrp="1"/>
+          </p:cNvSpPr>
+          <p:nvPr>
+            <p:ph type="ftr" idx="11"/>
+          </p:nvPr>
+        </p:nvSpPr>
+        <p:spPr>
+          <a:prstGeom prst="rect">
+            <a:avLst/>
+          </a:prstGeom>
+          <a:noFill/>
+          <a:ln>
+            <a:noFill/>
+          </a:ln>
+        </p:spPr>
+        <p:txBody>
+          <a:bodyPr spcFirstLastPara="1" wrap="square" lIns="91425" tIns="45700" rIns="91425" bIns="45700" anchor="ctr" anchorCtr="0">
+            <a:noAutofit/>
+          </a:bodyPr>
+          <a:lstStyle/>
+          <a:p>
+            <a:pPr marL="0" lvl="0" indent="0" algn="ctr" rtl="0">
+              <a:spcBef>
+                <a:spcPts val="0"/>
+              </a:spcBef>
+              <a:spcAft>
+                <a:spcPts val="0"/>
+              </a:spcAft>
+              <a:buNone/>
+            </a:pPr>
+            <a:r>
+              <a:rPr lang="en" dirty="0">
+                <a:latin typeface="Calibri" panose="020F0502020204030204" pitchFamily="34" charset="0"/>
+                <a:cs typeface="Calibri" panose="020F0502020204030204" pitchFamily="34" charset="0"/>
+              </a:rPr>
+              <a:t>DSCI554, Fall ‘23</a:t>
+            </a:r>
+            <a:endParaRPr dirty="0">
+              <a:latin typeface="Calibri" panose="020F0502020204030204" pitchFamily="34" charset="0"/>
+              <a:cs typeface="Calibri" panose="020F0502020204030204" pitchFamily="34" charset="0"/>
+            </a:endParaRPr>
+          </a:p>
+        </p:txBody>
+      </p:sp>
+      <p:sp>
+        <p:nvSpPr>
+          <p:cNvPr id="6" name="Google Shape;156;p27">
+            <a:extLst>
+              <a:ext uri="{FF2B5EF4-FFF2-40B4-BE49-F238E27FC236}">
+                <a16:creationId xmlns:a16="http://schemas.microsoft.com/office/drawing/2014/main" id="{C9F80B8A-4830-9E9C-9593-B4C0301D75B5}"/>
+              </a:ext>
+            </a:extLst>
+          </p:cNvPr>
+          <p:cNvSpPr txBox="1">
+            <a:spLocks noGrp="1"/>
+          </p:cNvSpPr>
+          <p:nvPr>
+            <p:ph type="body" idx="1"/>
+          </p:nvPr>
+        </p:nvSpPr>
+        <p:spPr>
+          <a:xfrm>
+            <a:off x="404900" y="744438"/>
+            <a:ext cx="7407450" cy="3203308"/>
+          </a:xfrm>
+          <a:prstGeom prst="rect">
+            <a:avLst/>
+          </a:prstGeom>
+        </p:spPr>
+        <p:txBody>
+          <a:bodyPr spcFirstLastPara="1" wrap="square" lIns="91425" tIns="45700" rIns="91425" bIns="45700" anchor="t" anchorCtr="0">
+            <a:normAutofit/>
+          </a:bodyPr>
+          <a:lstStyle/>
+          <a:p>
+            <a:pPr marL="457200" lvl="0" indent="-330200" algn="l" rtl="0">
+              <a:lnSpc>
+                <a:spcPct val="115000"/>
+              </a:lnSpc>
+              <a:spcBef>
+                <a:spcPts val="0"/>
+              </a:spcBef>
+              <a:spcAft>
+                <a:spcPts val="0"/>
+              </a:spcAft>
+              <a:buSzPts val="1600"/>
+              <a:buFont typeface="Calibri"/>
+              <a:buChar char="-"/>
+            </a:pPr>
+            <a:r>
+              <a:rPr lang="en-US" sz="1600" dirty="0">
+                <a:latin typeface="Calibri" panose="020F0502020204030204" pitchFamily="34" charset="0"/>
+                <a:cs typeface="Calibri" panose="020F0502020204030204" pitchFamily="34" charset="0"/>
+              </a:rPr>
+              <a:t>The original, full data on "</a:t>
+            </a:r>
+            <a:r>
+              <a:rPr lang="en-US" sz="1600" dirty="0" err="1">
+                <a:latin typeface="Calibri" panose="020F0502020204030204" pitchFamily="34" charset="0"/>
+                <a:cs typeface="Calibri" panose="020F0502020204030204" pitchFamily="34" charset="0"/>
+              </a:rPr>
+              <a:t>Labour</a:t>
+            </a:r>
+            <a:r>
+              <a:rPr lang="en-US" sz="1600" dirty="0">
+                <a:latin typeface="Calibri" panose="020F0502020204030204" pitchFamily="34" charset="0"/>
+                <a:cs typeface="Calibri" panose="020F0502020204030204" pitchFamily="34" charset="0"/>
+              </a:rPr>
+              <a:t> force and unemployment" can be downloaded here: </a:t>
+            </a:r>
+          </a:p>
+          <a:p>
+            <a:pPr lvl="1" indent="-330200">
+              <a:lnSpc>
+                <a:spcPct val="115000"/>
+              </a:lnSpc>
+              <a:spcBef>
+                <a:spcPts val="0"/>
+              </a:spcBef>
+              <a:buSzPts val="1600"/>
+              <a:buFont typeface="Calibri"/>
+              <a:buChar char="-"/>
+            </a:pPr>
+            <a:r>
+              <a:rPr lang="en-US" sz="1300" dirty="0">
+                <a:latin typeface="Calibri" panose="020F0502020204030204" pitchFamily="34" charset="0"/>
+                <a:cs typeface="Calibri" panose="020F0502020204030204" pitchFamily="34" charset="0"/>
+                <a:hlinkClick r:id="rId3"/>
+              </a:rPr>
+              <a:t>https://data.un.org/_Docs/SYB/CSV/SYB65_329_202209_Labour%20Force%20and%20Unemployment.csv</a:t>
+            </a:r>
+            <a:endParaRPr lang="en-US" sz="1300" dirty="0">
+              <a:latin typeface="Calibri" panose="020F0502020204030204" pitchFamily="34" charset="0"/>
+              <a:cs typeface="Calibri" panose="020F0502020204030204" pitchFamily="34" charset="0"/>
+            </a:endParaRPr>
+          </a:p>
+          <a:p>
+            <a:pPr lvl="1" indent="-330200">
+              <a:lnSpc>
+                <a:spcPct val="115000"/>
+              </a:lnSpc>
+              <a:spcBef>
+                <a:spcPts val="0"/>
+              </a:spcBef>
+              <a:buSzPts val="1600"/>
+              <a:buFont typeface="Calibri"/>
+              <a:buChar char="-"/>
+            </a:pPr>
+            <a:r>
+              <a:rPr lang="en-US" sz="1300" dirty="0">
+                <a:latin typeface="Calibri" panose="020F0502020204030204" pitchFamily="34" charset="0"/>
+                <a:cs typeface="Calibri" panose="020F0502020204030204" pitchFamily="34" charset="0"/>
+              </a:rPr>
+              <a:t>Note that the first row is the spreadsheet title and must be manually removed prior to processing.</a:t>
+            </a:r>
+          </a:p>
+          <a:p>
+            <a:pPr marL="457200" lvl="0" indent="-330200" algn="l" rtl="0">
+              <a:lnSpc>
+                <a:spcPct val="115000"/>
+              </a:lnSpc>
+              <a:spcBef>
+                <a:spcPts val="0"/>
+              </a:spcBef>
+              <a:spcAft>
+                <a:spcPts val="0"/>
+              </a:spcAft>
+              <a:buSzPts val="1600"/>
+              <a:buFont typeface="Calibri"/>
+              <a:buChar char="-"/>
+            </a:pPr>
+            <a:r>
+              <a:rPr lang="en-US" sz="1600" dirty="0">
+                <a:latin typeface="Calibri" panose="020F0502020204030204" pitchFamily="34" charset="0"/>
+                <a:cs typeface="Calibri" panose="020F0502020204030204" pitchFamily="34" charset="0"/>
+              </a:rPr>
+              <a:t>"code/</a:t>
+            </a:r>
+            <a:r>
+              <a:rPr lang="en-US" sz="1600" dirty="0" err="1">
+                <a:latin typeface="Calibri" panose="020F0502020204030204" pitchFamily="34" charset="0"/>
+                <a:cs typeface="Calibri" panose="020F0502020204030204" pitchFamily="34" charset="0"/>
+              </a:rPr>
+              <a:t>filter_data.py</a:t>
+            </a:r>
+            <a:r>
+              <a:rPr lang="en-US" sz="1600" dirty="0">
+                <a:latin typeface="Calibri" panose="020F0502020204030204" pitchFamily="34" charset="0"/>
+                <a:cs typeface="Calibri" panose="020F0502020204030204" pitchFamily="34" charset="0"/>
+              </a:rPr>
+              <a:t>” in the GitHub repository was used to process the data</a:t>
+            </a:r>
+          </a:p>
+          <a:p>
+            <a:pPr lvl="1" indent="-311150">
+              <a:lnSpc>
+                <a:spcPct val="115000"/>
+              </a:lnSpc>
+              <a:spcBef>
+                <a:spcPts val="0"/>
+              </a:spcBef>
+              <a:buSzPts val="1300"/>
+              <a:buFont typeface="Calibri"/>
+              <a:buChar char="-"/>
+            </a:pPr>
+            <a:r>
+              <a:rPr lang="en-US" sz="1300" dirty="0">
+                <a:latin typeface="Calibri" panose="020F0502020204030204" pitchFamily="34" charset="0"/>
+                <a:cs typeface="Calibri" panose="020F0502020204030204" pitchFamily="34" charset="0"/>
+              </a:rPr>
+              <a:t>The data is filtered to only look at “</a:t>
+            </a:r>
+            <a:r>
+              <a:rPr lang="en-US" sz="1300" dirty="0" err="1">
+                <a:latin typeface="Calibri" panose="020F0502020204030204" pitchFamily="34" charset="0"/>
+                <a:cs typeface="Calibri" panose="020F0502020204030204" pitchFamily="34" charset="0"/>
+              </a:rPr>
+              <a:t>Labour</a:t>
+            </a:r>
+            <a:r>
+              <a:rPr lang="en-US" sz="1300" dirty="0">
+                <a:latin typeface="Calibri" panose="020F0502020204030204" pitchFamily="34" charset="0"/>
+                <a:cs typeface="Calibri" panose="020F0502020204030204" pitchFamily="34" charset="0"/>
+              </a:rPr>
+              <a:t> force participation” data and countries “United States of America” and “Indonesia”</a:t>
+            </a:r>
+          </a:p>
+          <a:p>
+            <a:pPr lvl="1" indent="-311150">
+              <a:lnSpc>
+                <a:spcPct val="115000"/>
+              </a:lnSpc>
+              <a:spcBef>
+                <a:spcPts val="0"/>
+              </a:spcBef>
+              <a:buSzPts val="1300"/>
+              <a:buFont typeface="Calibri"/>
+              <a:buChar char="-"/>
+            </a:pPr>
+            <a:r>
+              <a:rPr lang="en-US" sz="1300" dirty="0">
+                <a:latin typeface="Calibri" panose="020F0502020204030204" pitchFamily="34" charset="0"/>
+                <a:cs typeface="Calibri" panose="020F0502020204030204" pitchFamily="34" charset="0"/>
+              </a:rPr>
+              <a:t>"data/</a:t>
+            </a:r>
+            <a:r>
+              <a:rPr lang="en-US" sz="1300" dirty="0" err="1">
+                <a:latin typeface="Calibri" panose="020F0502020204030204" pitchFamily="34" charset="0"/>
+                <a:cs typeface="Calibri" panose="020F0502020204030204" pitchFamily="34" charset="0"/>
+              </a:rPr>
+              <a:t>labour.csv</a:t>
+            </a:r>
+            <a:r>
+              <a:rPr lang="en-US" sz="1300" dirty="0">
+                <a:latin typeface="Calibri" panose="020F0502020204030204" pitchFamily="34" charset="0"/>
+                <a:cs typeface="Calibri" panose="020F0502020204030204" pitchFamily="34" charset="0"/>
+              </a:rPr>
+              <a:t>" is the processed data used for the visualizations</a:t>
+            </a:r>
+          </a:p>
+          <a:p>
+            <a:pPr indent="-311150">
+              <a:lnSpc>
+                <a:spcPct val="115000"/>
+              </a:lnSpc>
+              <a:spcBef>
+                <a:spcPts val="0"/>
+              </a:spcBef>
+              <a:buSzPts val="1300"/>
+              <a:buFont typeface="Calibri"/>
+              <a:buChar char="-"/>
+            </a:pPr>
+            <a:endParaRPr lang="en" sz="1600" dirty="0">
+              <a:latin typeface="Calibri" panose="020F0502020204030204" pitchFamily="34" charset="0"/>
+              <a:cs typeface="Calibri" panose="020F0502020204030204" pitchFamily="34" charset="0"/>
+            </a:endParaRPr>
+          </a:p>
+        </p:txBody>
+      </p:sp>
+    </p:spTree>
+    <p:extLst>
+      <p:ext uri="{BB962C8B-B14F-4D97-AF65-F5344CB8AC3E}">
+        <p14:creationId xmlns:p14="http://schemas.microsoft.com/office/powerpoint/2010/main" val="3792793460"/>
+      </p:ext>
+    </p:extLst>
+  </p:cSld>
+  <p:clrMapOvr>
+    <a:masterClrMapping/>
+  </p:clrMapOvr>
+</p:sld>
+</file>
+
+<file path=ppt/slides/slide3.xml><?xml version="1.0" encoding="utf-8"?>
+<p:sld xmlns:a="http://schemas.openxmlformats.org/drawingml/2006/main" xmlns:r="http://schemas.openxmlformats.org/officeDocument/2006/relationships" xmlns:p="http://schemas.openxmlformats.org/presentationml/2006/main">
+  <p:cSld>
+    <p:spTree>
+      <p:nvGrpSpPr>
+        <p:cNvPr id="1" name="Shape 154"/>
+        <p:cNvGrpSpPr/>
+        <p:nvPr/>
+      </p:nvGrpSpPr>
+      <p:grpSpPr>
+        <a:xfrm>
+          <a:off x="0" y="0"/>
+          <a:ext cx="0" cy="0"/>
+          <a:chOff x="0" y="0"/>
+          <a:chExt cx="0" cy="0"/>
+        </a:xfrm>
+      </p:grpSpPr>
+      <p:pic>
+        <p:nvPicPr>
+          <p:cNvPr id="4" name="Picture 3">
+            <a:extLst>
+              <a:ext uri="{FF2B5EF4-FFF2-40B4-BE49-F238E27FC236}">
+                <a16:creationId xmlns:a16="http://schemas.microsoft.com/office/drawing/2014/main" id="{A2B0BA63-0129-4538-0484-F5D0F0344061}"/>
+              </a:ext>
+            </a:extLst>
+          </p:cNvPr>
+          <p:cNvPicPr>
+            <a:picLocks noChangeAspect="1"/>
+          </p:cNvPicPr>
+          <p:nvPr/>
+        </p:nvPicPr>
+        <p:blipFill>
+          <a:blip r:embed="rId3"/>
+          <a:stretch>
+            <a:fillRect/>
+          </a:stretch>
+        </p:blipFill>
+        <p:spPr>
+          <a:xfrm>
+            <a:off x="4275851" y="324762"/>
+            <a:ext cx="3776196" cy="4234097"/>
+          </a:xfrm>
+          <a:prstGeom prst="rect">
+            <a:avLst/>
+          </a:prstGeom>
+        </p:spPr>
+      </p:pic>
+      <p:sp>
+        <p:nvSpPr>
+          <p:cNvPr id="5" name="Google Shape;155;p27">
+            <a:extLst>
+              <a:ext uri="{FF2B5EF4-FFF2-40B4-BE49-F238E27FC236}">
+                <a16:creationId xmlns:a16="http://schemas.microsoft.com/office/drawing/2014/main" id="{E741B2FA-CB59-C099-844D-607E0FA7A42E}"/>
+              </a:ext>
+            </a:extLst>
+          </p:cNvPr>
+          <p:cNvSpPr txBox="1">
+            <a:spLocks/>
+          </p:cNvSpPr>
+          <p:nvPr/>
+        </p:nvSpPr>
+        <p:spPr>
+          <a:xfrm>
+            <a:off x="404900" y="-28910"/>
+            <a:ext cx="8110446" cy="994172"/>
+          </a:xfrm>
+          <a:prstGeom prst="rect">
+            <a:avLst/>
+          </a:prstGeom>
+          <a:noFill/>
+          <a:ln>
+            <a:noFill/>
+          </a:ln>
+        </p:spPr>
+        <p:txBody>
+          <a:bodyPr spcFirstLastPara="1" wrap="square" lIns="91425" tIns="45700" rIns="91425" bIns="45700" anchor="ctr" anchorCtr="0">
+            <a:normAutofit/>
+          </a:bodyPr>
+          <a:lstStyle>
+            <a:defPPr marR="0" lvl="0" algn="l" rtl="0">
+              <a:lnSpc>
+                <a:spcPct val="100000"/>
+              </a:lnSpc>
+              <a:spcBef>
+                <a:spcPts val="0"/>
+              </a:spcBef>
+              <a:spcAft>
+                <a:spcPts val="0"/>
+              </a:spcAft>
+            </a:defPPr>
+            <a:lvl1pPr marR="0" lvl="0" algn="l" rtl="0" eaLnBrk="1" hangingPunct="1">
+              <a:lnSpc>
+                <a:spcPct val="90000"/>
+              </a:lnSpc>
+              <a:spcBef>
+                <a:spcPts val="0"/>
+              </a:spcBef>
+              <a:spcAft>
+                <a:spcPts val="0"/>
+              </a:spcAft>
+              <a:buClr>
+                <a:srgbClr val="991B1D"/>
+              </a:buClr>
+              <a:buSzPts val="3300"/>
+              <a:buFont typeface="Calibri"/>
+              <a:buNone/>
+              <a:defRPr sz="3300" b="1" i="0" u="none" strike="noStrike" cap="none">
+                <a:solidFill>
+                  <a:srgbClr val="991B1D"/>
+                </a:solidFill>
+                <a:latin typeface="Calibri"/>
+                <a:ea typeface="Calibri"/>
+                <a:cs typeface="Calibri"/>
+                <a:sym typeface="Calibri"/>
+              </a:defRPr>
+            </a:lvl1pPr>
+            <a:lvl2pPr marR="0" lvl="1" algn="l" rtl="0" eaLnBrk="1" hangingPunct="1">
+              <a:lnSpc>
+                <a:spcPct val="100000"/>
+              </a:lnSpc>
+              <a:spcBef>
+                <a:spcPts val="0"/>
+              </a:spcBef>
+              <a:spcAft>
+                <a:spcPts val="0"/>
+              </a:spcAft>
+              <a:buClr>
+                <a:srgbClr val="000000"/>
+              </a:buClr>
+              <a:buSzPts val="1400"/>
+              <a:buFont typeface="Arial"/>
+              <a:buNone/>
+              <a:defRPr sz="1800" b="0" i="0" u="none" strike="noStrike" cap="none">
+                <a:solidFill>
+                  <a:srgbClr val="000000"/>
+                </a:solidFill>
+                <a:latin typeface="Arial"/>
+                <a:ea typeface="Arial"/>
+                <a:cs typeface="Arial"/>
+                <a:sym typeface="Arial"/>
+              </a:defRPr>
+            </a:lvl2pPr>
+            <a:lvl3pPr marR="0" lvl="2" algn="l" rtl="0" eaLnBrk="1" hangingPunct="1">
+              <a:lnSpc>
+                <a:spcPct val="100000"/>
+              </a:lnSpc>
+              <a:spcBef>
+                <a:spcPts val="0"/>
+              </a:spcBef>
+              <a:spcAft>
+                <a:spcPts val="0"/>
+              </a:spcAft>
+              <a:buClr>
+                <a:srgbClr val="000000"/>
+              </a:buClr>
+              <a:buSzPts val="1400"/>
+              <a:buFont typeface="Arial"/>
+              <a:buNone/>
+              <a:defRPr sz="1800" b="0" i="0" u="none" strike="noStrike" cap="none">
+                <a:solidFill>
+                  <a:srgbClr val="000000"/>
+                </a:solidFill>
+                <a:latin typeface="Arial"/>
+                <a:ea typeface="Arial"/>
+                <a:cs typeface="Arial"/>
+                <a:sym typeface="Arial"/>
+              </a:defRPr>
+            </a:lvl3pPr>
+            <a:lvl4pPr marR="0" lvl="3" algn="l" rtl="0" eaLnBrk="1" hangingPunct="1">
+              <a:lnSpc>
+                <a:spcPct val="100000"/>
+              </a:lnSpc>
+              <a:spcBef>
+                <a:spcPts val="0"/>
+              </a:spcBef>
+              <a:spcAft>
+                <a:spcPts val="0"/>
+              </a:spcAft>
+              <a:buClr>
+                <a:srgbClr val="000000"/>
+              </a:buClr>
+              <a:buSzPts val="1400"/>
+              <a:buFont typeface="Arial"/>
+              <a:buNone/>
+              <a:defRPr sz="1800" b="0" i="0" u="none" strike="noStrike" cap="none">
+                <a:solidFill>
+                  <a:srgbClr val="000000"/>
+                </a:solidFill>
+                <a:latin typeface="Arial"/>
+                <a:ea typeface="Arial"/>
+                <a:cs typeface="Arial"/>
+                <a:sym typeface="Arial"/>
+              </a:defRPr>
+            </a:lvl4pPr>
+            <a:lvl5pPr marR="0" lvl="4" algn="l" rtl="0" eaLnBrk="1" hangingPunct="1">
+              <a:lnSpc>
+                <a:spcPct val="100000"/>
+              </a:lnSpc>
+              <a:spcBef>
+                <a:spcPts val="0"/>
+              </a:spcBef>
+              <a:spcAft>
+                <a:spcPts val="0"/>
+              </a:spcAft>
+              <a:buClr>
+                <a:srgbClr val="000000"/>
+              </a:buClr>
+              <a:buSzPts val="1400"/>
+              <a:buFont typeface="Arial"/>
+              <a:buNone/>
+              <a:defRPr sz="1800" b="0" i="0" u="none" strike="noStrike" cap="none">
+                <a:solidFill>
+                  <a:srgbClr val="000000"/>
+                </a:solidFill>
+                <a:latin typeface="Arial"/>
+                <a:ea typeface="Arial"/>
+                <a:cs typeface="Arial"/>
+                <a:sym typeface="Arial"/>
+              </a:defRPr>
+            </a:lvl5pPr>
+            <a:lvl6pPr marR="0" lvl="5" algn="l" rtl="0" eaLnBrk="1" hangingPunct="1">
+              <a:lnSpc>
+                <a:spcPct val="100000"/>
+              </a:lnSpc>
+              <a:spcBef>
+                <a:spcPts val="0"/>
+              </a:spcBef>
+              <a:spcAft>
+                <a:spcPts val="0"/>
+              </a:spcAft>
+              <a:buClr>
+                <a:srgbClr val="000000"/>
+              </a:buClr>
+              <a:buSzPts val="1400"/>
+              <a:buFont typeface="Arial"/>
+              <a:buNone/>
+              <a:defRPr sz="1800" b="0" i="0" u="none" strike="noStrike" cap="none">
+                <a:solidFill>
+                  <a:srgbClr val="000000"/>
+                </a:solidFill>
+                <a:latin typeface="Arial"/>
+                <a:ea typeface="Arial"/>
+                <a:cs typeface="Arial"/>
+                <a:sym typeface="Arial"/>
+              </a:defRPr>
+            </a:lvl6pPr>
+            <a:lvl7pPr marR="0" lvl="6" algn="l" rtl="0" eaLnBrk="1" hangingPunct="1">
+              <a:lnSpc>
+                <a:spcPct val="100000"/>
+              </a:lnSpc>
+              <a:spcBef>
+                <a:spcPts val="0"/>
+              </a:spcBef>
+              <a:spcAft>
+                <a:spcPts val="0"/>
+              </a:spcAft>
+              <a:buClr>
+                <a:srgbClr val="000000"/>
+              </a:buClr>
+              <a:buSzPts val="1400"/>
+              <a:buFont typeface="Arial"/>
+              <a:buNone/>
+              <a:defRPr sz="1800" b="0" i="0" u="none" strike="noStrike" cap="none">
+                <a:solidFill>
+                  <a:srgbClr val="000000"/>
+                </a:solidFill>
+                <a:latin typeface="Arial"/>
+                <a:ea typeface="Arial"/>
+                <a:cs typeface="Arial"/>
+                <a:sym typeface="Arial"/>
+              </a:defRPr>
+            </a:lvl7pPr>
+            <a:lvl8pPr marR="0" lvl="7" algn="l" rtl="0" eaLnBrk="1" hangingPunct="1">
+              <a:lnSpc>
+                <a:spcPct val="100000"/>
+              </a:lnSpc>
+              <a:spcBef>
+                <a:spcPts val="0"/>
+              </a:spcBef>
+              <a:spcAft>
+                <a:spcPts val="0"/>
+              </a:spcAft>
+              <a:buClr>
+                <a:srgbClr val="000000"/>
+              </a:buClr>
+              <a:buSzPts val="1400"/>
+              <a:buFont typeface="Arial"/>
+              <a:buNone/>
+              <a:defRPr sz="1800" b="0" i="0" u="none" strike="noStrike" cap="none">
+                <a:solidFill>
+                  <a:srgbClr val="000000"/>
+                </a:solidFill>
+                <a:latin typeface="Arial"/>
+                <a:ea typeface="Arial"/>
+                <a:cs typeface="Arial"/>
+                <a:sym typeface="Arial"/>
+              </a:defRPr>
+            </a:lvl8pPr>
+            <a:lvl9pPr marR="0" lvl="8" algn="l" rtl="0" eaLnBrk="1" hangingPunct="1">
+              <a:lnSpc>
+                <a:spcPct val="100000"/>
+              </a:lnSpc>
+              <a:spcBef>
+                <a:spcPts val="0"/>
+              </a:spcBef>
+              <a:spcAft>
+                <a:spcPts val="0"/>
+              </a:spcAft>
+              <a:buClr>
+                <a:srgbClr val="000000"/>
+              </a:buClr>
+              <a:buSzPts val="1400"/>
+              <a:buFont typeface="Arial"/>
+              <a:buNone/>
+              <a:defRPr sz="1800" b="0" i="0" u="none" strike="noStrike" cap="none">
+                <a:solidFill>
+                  <a:srgbClr val="000000"/>
+                </a:solidFill>
+                <a:latin typeface="Arial"/>
+                <a:ea typeface="Arial"/>
+                <a:cs typeface="Arial"/>
+                <a:sym typeface="Arial"/>
+              </a:defRPr>
+            </a:lvl9pPr>
+          </a:lstStyle>
+          <a:p>
+            <a:r>
+              <a:rPr lang="en-US" dirty="0">
+                <a:latin typeface="Calibri" panose="020F0502020204030204" pitchFamily="34" charset="0"/>
+                <a:cs typeface="Calibri" panose="020F0502020204030204" pitchFamily="34" charset="0"/>
+              </a:rPr>
+              <a:t>Inkscape Wireframe</a:t>
+            </a:r>
+          </a:p>
+        </p:txBody>
+      </p:sp>
+      <p:sp>
+        <p:nvSpPr>
+          <p:cNvPr id="2" name="Google Shape;142;p26">
+            <a:extLst>
+              <a:ext uri="{FF2B5EF4-FFF2-40B4-BE49-F238E27FC236}">
+                <a16:creationId xmlns:a16="http://schemas.microsoft.com/office/drawing/2014/main" id="{7BD752DE-513B-0E80-9C0A-29BD5F862B62}"/>
+              </a:ext>
+            </a:extLst>
+          </p:cNvPr>
+          <p:cNvSpPr txBox="1">
+            <a:spLocks noGrp="1"/>
+          </p:cNvSpPr>
+          <p:nvPr>
+            <p:ph type="ftr" idx="11"/>
+          </p:nvPr>
+        </p:nvSpPr>
+        <p:spPr>
+          <a:prstGeom prst="rect">
+            <a:avLst/>
+          </a:prstGeom>
+          <a:noFill/>
+          <a:ln>
+            <a:noFill/>
+          </a:ln>
+        </p:spPr>
+        <p:txBody>
+          <a:bodyPr spcFirstLastPara="1" wrap="square" lIns="91425" tIns="45700" rIns="91425" bIns="45700" anchor="ctr" anchorCtr="0">
+            <a:noAutofit/>
+          </a:bodyPr>
+          <a:lstStyle/>
+          <a:p>
+            <a:pPr marL="0" lvl="0" indent="0" algn="ctr" rtl="0">
+              <a:spcBef>
+                <a:spcPts val="0"/>
+              </a:spcBef>
+              <a:spcAft>
+                <a:spcPts val="0"/>
+              </a:spcAft>
+              <a:buNone/>
+            </a:pPr>
+            <a:r>
+              <a:rPr lang="en" dirty="0">
+                <a:latin typeface="Calibri" panose="020F0502020204030204" pitchFamily="34" charset="0"/>
+                <a:cs typeface="Calibri" panose="020F0502020204030204" pitchFamily="34" charset="0"/>
+              </a:rPr>
+              <a:t>DSCI554, Fall ‘23</a:t>
+            </a:r>
+            <a:endParaRPr dirty="0">
+              <a:latin typeface="Calibri" panose="020F0502020204030204" pitchFamily="34" charset="0"/>
+              <a:cs typeface="Calibri" panose="020F0502020204030204" pitchFamily="34" charset="0"/>
+            </a:endParaRPr>
+          </a:p>
+        </p:txBody>
+      </p:sp>
+      <p:sp>
+        <p:nvSpPr>
+          <p:cNvPr id="6" name="Google Shape;156;p27">
+            <a:extLst>
+              <a:ext uri="{FF2B5EF4-FFF2-40B4-BE49-F238E27FC236}">
+                <a16:creationId xmlns:a16="http://schemas.microsoft.com/office/drawing/2014/main" id="{C9F80B8A-4830-9E9C-9593-B4C0301D75B5}"/>
+              </a:ext>
+            </a:extLst>
+          </p:cNvPr>
+          <p:cNvSpPr txBox="1">
+            <a:spLocks noGrp="1"/>
+          </p:cNvSpPr>
+          <p:nvPr>
+            <p:ph type="body" idx="1"/>
+          </p:nvPr>
+        </p:nvSpPr>
+        <p:spPr>
+          <a:xfrm>
+            <a:off x="404900" y="744438"/>
+            <a:ext cx="3870951" cy="3203308"/>
+          </a:xfrm>
+          <a:prstGeom prst="rect">
+            <a:avLst/>
+          </a:prstGeom>
+        </p:spPr>
+        <p:txBody>
+          <a:bodyPr spcFirstLastPara="1" wrap="square" lIns="91425" tIns="45700" rIns="91425" bIns="45700" anchor="t" anchorCtr="0">
+            <a:normAutofit/>
+          </a:bodyPr>
+          <a:lstStyle/>
+          <a:p>
+            <a:pPr marL="457200" lvl="0" indent="-330200" algn="l" rtl="0">
+              <a:lnSpc>
+                <a:spcPct val="115000"/>
+              </a:lnSpc>
+              <a:spcBef>
+                <a:spcPts val="0"/>
+              </a:spcBef>
+              <a:spcAft>
+                <a:spcPts val="0"/>
+              </a:spcAft>
+              <a:buSzPts val="1600"/>
+              <a:buFont typeface="Calibri"/>
+              <a:buChar char="-"/>
+            </a:pPr>
+            <a:r>
+              <a:rPr lang="en-US" sz="1600" dirty="0">
+                <a:latin typeface="Calibri" panose="020F0502020204030204" pitchFamily="34" charset="0"/>
+                <a:cs typeface="Calibri" panose="020F0502020204030204" pitchFamily="34" charset="0"/>
+              </a:rPr>
+              <a:t>“</a:t>
+            </a:r>
+            <a:r>
+              <a:rPr lang="en-US" sz="1600" dirty="0" err="1">
+                <a:latin typeface="Calibri" panose="020F0502020204030204" pitchFamily="34" charset="0"/>
+                <a:cs typeface="Calibri" panose="020F0502020204030204" pitchFamily="34" charset="0"/>
+              </a:rPr>
+              <a:t>svg</a:t>
+            </a:r>
+            <a:r>
+              <a:rPr lang="en-US" sz="1600" dirty="0">
+                <a:latin typeface="Calibri" panose="020F0502020204030204" pitchFamily="34" charset="0"/>
+                <a:cs typeface="Calibri" panose="020F0502020204030204" pitchFamily="34" charset="0"/>
+              </a:rPr>
+              <a:t>/</a:t>
+            </a:r>
+            <a:r>
+              <a:rPr lang="en-US" sz="1600" dirty="0" err="1">
+                <a:latin typeface="Calibri" panose="020F0502020204030204" pitchFamily="34" charset="0"/>
+                <a:cs typeface="Calibri" panose="020F0502020204030204" pitchFamily="34" charset="0"/>
+              </a:rPr>
+              <a:t>wireframe.svg</a:t>
+            </a:r>
+            <a:r>
+              <a:rPr lang="en-US" sz="1600" dirty="0">
+                <a:latin typeface="Calibri" panose="020F0502020204030204" pitchFamily="34" charset="0"/>
+                <a:cs typeface="Calibri" panose="020F0502020204030204" pitchFamily="34" charset="0"/>
+              </a:rPr>
+              <a:t>” in the GitHub repository</a:t>
+            </a:r>
+          </a:p>
+          <a:p>
+            <a:pPr marL="457200" lvl="0" indent="-330200" algn="l" rtl="0">
+              <a:lnSpc>
+                <a:spcPct val="115000"/>
+              </a:lnSpc>
+              <a:spcBef>
+                <a:spcPts val="0"/>
+              </a:spcBef>
+              <a:spcAft>
+                <a:spcPts val="0"/>
+              </a:spcAft>
+              <a:buSzPts val="1600"/>
+              <a:buFont typeface="Calibri"/>
+              <a:buChar char="-"/>
+            </a:pPr>
+            <a:r>
+              <a:rPr lang="en-US" sz="1600" dirty="0">
+                <a:latin typeface="Calibri" panose="020F0502020204030204" pitchFamily="34" charset="0"/>
+                <a:cs typeface="Calibri" panose="020F0502020204030204" pitchFamily="34" charset="0"/>
+              </a:rPr>
+              <a:t>Visualizations for the two countries are laid out in separate columns with contrasting colors</a:t>
+            </a:r>
+            <a:endParaRPr lang="en-US" sz="1300" dirty="0">
+              <a:latin typeface="Calibri" panose="020F0502020204030204" pitchFamily="34" charset="0"/>
+              <a:cs typeface="Calibri" panose="020F0502020204030204" pitchFamily="34" charset="0"/>
+            </a:endParaRPr>
+          </a:p>
+          <a:p>
+            <a:pPr lvl="1" indent="-311150">
+              <a:lnSpc>
+                <a:spcPct val="115000"/>
+              </a:lnSpc>
+              <a:spcBef>
+                <a:spcPts val="0"/>
+              </a:spcBef>
+              <a:buSzPts val="1300"/>
+              <a:buFont typeface="Calibri"/>
+              <a:buChar char="-"/>
+            </a:pPr>
+            <a:r>
+              <a:rPr lang="en-US" sz="1300" dirty="0">
+                <a:latin typeface="Calibri" panose="020F0502020204030204" pitchFamily="34" charset="0"/>
+                <a:cs typeface="Calibri" panose="020F0502020204030204" pitchFamily="34" charset="0"/>
+              </a:rPr>
+              <a:t>To accommodate readers with red-green color-vision deficiency, pink and yellow-green are used</a:t>
+            </a:r>
+          </a:p>
+          <a:p>
+            <a:pPr lvl="2" indent="-311150">
+              <a:lnSpc>
+                <a:spcPct val="115000"/>
+              </a:lnSpc>
+              <a:spcBef>
+                <a:spcPts val="0"/>
+              </a:spcBef>
+              <a:buSzPts val="1300"/>
+              <a:buFont typeface="Calibri"/>
+              <a:buChar char="-"/>
+            </a:pPr>
+            <a:r>
+              <a:rPr lang="en-US" sz="1000" dirty="0">
+                <a:latin typeface="Calibri" panose="020F0502020204030204" pitchFamily="34" charset="0"/>
+                <a:cs typeface="Calibri" panose="020F0502020204030204" pitchFamily="34" charset="0"/>
+              </a:rPr>
+              <a:t>Pink: </a:t>
+            </a:r>
+            <a:r>
+              <a:rPr lang="en-US" sz="1000" dirty="0" err="1">
+                <a:latin typeface="Calibri" panose="020F0502020204030204" pitchFamily="34" charset="0"/>
+                <a:cs typeface="Calibri" panose="020F0502020204030204" pitchFamily="34" charset="0"/>
+              </a:rPr>
+              <a:t>rgba</a:t>
+            </a:r>
+            <a:r>
+              <a:rPr lang="en-US" sz="1000" dirty="0">
+                <a:latin typeface="Calibri" panose="020F0502020204030204" pitchFamily="34" charset="0"/>
+                <a:cs typeface="Calibri" panose="020F0502020204030204" pitchFamily="34" charset="0"/>
+              </a:rPr>
+              <a:t>(255, 0, 141, 1)</a:t>
+            </a:r>
+          </a:p>
+          <a:p>
+            <a:pPr lvl="2" indent="-311150">
+              <a:lnSpc>
+                <a:spcPct val="115000"/>
+              </a:lnSpc>
+              <a:spcBef>
+                <a:spcPts val="0"/>
+              </a:spcBef>
+              <a:buSzPts val="1300"/>
+              <a:buFont typeface="Calibri"/>
+              <a:buChar char="-"/>
+            </a:pPr>
+            <a:r>
+              <a:rPr lang="en-US" sz="1000" dirty="0">
+                <a:latin typeface="Calibri" panose="020F0502020204030204" pitchFamily="34" charset="0"/>
+                <a:cs typeface="Calibri" panose="020F0502020204030204" pitchFamily="34" charset="0"/>
+              </a:rPr>
+              <a:t>Yellow-green: </a:t>
+            </a:r>
+            <a:r>
+              <a:rPr lang="en-US" sz="1000" dirty="0" err="1">
+                <a:latin typeface="Calibri" panose="020F0502020204030204" pitchFamily="34" charset="0"/>
+                <a:cs typeface="Calibri" panose="020F0502020204030204" pitchFamily="34" charset="0"/>
+              </a:rPr>
+              <a:t>rgba</a:t>
+            </a:r>
+            <a:r>
+              <a:rPr lang="en-US" sz="1000" dirty="0">
+                <a:latin typeface="Calibri" panose="020F0502020204030204" pitchFamily="34" charset="0"/>
+                <a:cs typeface="Calibri" panose="020F0502020204030204" pitchFamily="34" charset="0"/>
+              </a:rPr>
+              <a:t>(89, 198, 27, 1)</a:t>
+            </a:r>
+          </a:p>
+          <a:p>
+            <a:pPr indent="-311150">
+              <a:lnSpc>
+                <a:spcPct val="115000"/>
+              </a:lnSpc>
+              <a:spcBef>
+                <a:spcPts val="0"/>
+              </a:spcBef>
+              <a:buSzPts val="1300"/>
+              <a:buFont typeface="Calibri"/>
+              <a:buChar char="-"/>
+            </a:pPr>
+            <a:endParaRPr lang="en-US" sz="1600" dirty="0">
+              <a:latin typeface="Calibri" panose="020F0502020204030204" pitchFamily="34" charset="0"/>
+              <a:cs typeface="Calibri" panose="020F0502020204030204" pitchFamily="34" charset="0"/>
+            </a:endParaRPr>
+          </a:p>
+          <a:p>
+            <a:pPr indent="-311150">
+              <a:lnSpc>
+                <a:spcPct val="115000"/>
+              </a:lnSpc>
+              <a:spcBef>
+                <a:spcPts val="0"/>
+              </a:spcBef>
+              <a:buSzPts val="1300"/>
+              <a:buFont typeface="Calibri"/>
+              <a:buChar char="-"/>
+            </a:pPr>
+            <a:endParaRPr lang="en" sz="1600" dirty="0">
+              <a:latin typeface="Calibri" panose="020F0502020204030204" pitchFamily="34" charset="0"/>
+              <a:cs typeface="Calibri" panose="020F0502020204030204" pitchFamily="34" charset="0"/>
+            </a:endParaRPr>
+          </a:p>
+        </p:txBody>
+      </p:sp>
+    </p:spTree>
+    <p:extLst>
+      <p:ext uri="{BB962C8B-B14F-4D97-AF65-F5344CB8AC3E}">
+        <p14:creationId xmlns:p14="http://schemas.microsoft.com/office/powerpoint/2010/main" val="2112757850"/>
+      </p:ext>
+    </p:extLst>
+  </p:cSld>
+  <p:clrMapOvr>
+    <a:masterClrMapping/>
+  </p:clrMapOvr>
+</p:sld>
+</file>
+
+<file path=ppt/slides/slide4.xml><?xml version="1.0" encoding="utf-8"?>
+<p:sld xmlns:a="http://schemas.openxmlformats.org/drawingml/2006/main" xmlns:r="http://schemas.openxmlformats.org/officeDocument/2006/relationships" xmlns:p="http://schemas.openxmlformats.org/presentationml/2006/main">
+  <p:cSld>
+    <p:spTree>
+      <p:nvGrpSpPr>
+        <p:cNvPr id="1" name="Shape 154"/>
+        <p:cNvGrpSpPr/>
+        <p:nvPr/>
+      </p:nvGrpSpPr>
+      <p:grpSpPr>
+        <a:xfrm>
+          <a:off x="0" y="0"/>
+          <a:ext cx="0" cy="0"/>
+          <a:chOff x="0" y="0"/>
+          <a:chExt cx="0" cy="0"/>
+        </a:xfrm>
+      </p:grpSpPr>
+      <p:sp>
+        <p:nvSpPr>
+          <p:cNvPr id="5" name="Google Shape;155;p27">
+            <a:extLst>
+              <a:ext uri="{FF2B5EF4-FFF2-40B4-BE49-F238E27FC236}">
+                <a16:creationId xmlns:a16="http://schemas.microsoft.com/office/drawing/2014/main" id="{E741B2FA-CB59-C099-844D-607E0FA7A42E}"/>
+              </a:ext>
+            </a:extLst>
+          </p:cNvPr>
+          <p:cNvSpPr txBox="1">
+            <a:spLocks/>
+          </p:cNvSpPr>
+          <p:nvPr/>
+        </p:nvSpPr>
+        <p:spPr>
+          <a:xfrm>
+            <a:off x="404900" y="-28910"/>
+            <a:ext cx="8110446" cy="994172"/>
+          </a:xfrm>
+          <a:prstGeom prst="rect">
+            <a:avLst/>
+          </a:prstGeom>
+          <a:noFill/>
+          <a:ln>
+            <a:noFill/>
+          </a:ln>
+        </p:spPr>
+        <p:txBody>
+          <a:bodyPr spcFirstLastPara="1" wrap="square" lIns="91425" tIns="45700" rIns="91425" bIns="45700" anchor="ctr" anchorCtr="0">
+            <a:normAutofit/>
+          </a:bodyPr>
+          <a:lstStyle>
+            <a:defPPr marR="0" lvl="0" algn="l" rtl="0">
+              <a:lnSpc>
+                <a:spcPct val="100000"/>
+              </a:lnSpc>
+              <a:spcBef>
+                <a:spcPts val="0"/>
+              </a:spcBef>
+              <a:spcAft>
+                <a:spcPts val="0"/>
+              </a:spcAft>
+            </a:defPPr>
+            <a:lvl1pPr marR="0" lvl="0" algn="l" rtl="0" eaLnBrk="1" hangingPunct="1">
+              <a:lnSpc>
+                <a:spcPct val="90000"/>
+              </a:lnSpc>
+              <a:spcBef>
+                <a:spcPts val="0"/>
+              </a:spcBef>
+              <a:spcAft>
+                <a:spcPts val="0"/>
+              </a:spcAft>
+              <a:buClr>
+                <a:srgbClr val="991B1D"/>
+              </a:buClr>
+              <a:buSzPts val="3300"/>
+              <a:buFont typeface="Calibri"/>
+              <a:buNone/>
+              <a:defRPr sz="3300" b="1" i="0" u="none" strike="noStrike" cap="none">
+                <a:solidFill>
+                  <a:srgbClr val="991B1D"/>
+                </a:solidFill>
+                <a:latin typeface="Calibri"/>
+                <a:ea typeface="Calibri"/>
+                <a:cs typeface="Calibri"/>
+                <a:sym typeface="Calibri"/>
+              </a:defRPr>
+            </a:lvl1pPr>
+            <a:lvl2pPr marR="0" lvl="1" algn="l" rtl="0" eaLnBrk="1" hangingPunct="1">
+              <a:lnSpc>
+                <a:spcPct val="100000"/>
+              </a:lnSpc>
+              <a:spcBef>
+                <a:spcPts val="0"/>
+              </a:spcBef>
+              <a:spcAft>
+                <a:spcPts val="0"/>
+              </a:spcAft>
+              <a:buClr>
+                <a:srgbClr val="000000"/>
+              </a:buClr>
+              <a:buSzPts val="1400"/>
+              <a:buFont typeface="Arial"/>
+              <a:buNone/>
+              <a:defRPr sz="1800" b="0" i="0" u="none" strike="noStrike" cap="none">
+                <a:solidFill>
+                  <a:srgbClr val="000000"/>
+                </a:solidFill>
+                <a:latin typeface="Arial"/>
+                <a:ea typeface="Arial"/>
+                <a:cs typeface="Arial"/>
+                <a:sym typeface="Arial"/>
+              </a:defRPr>
+            </a:lvl2pPr>
+            <a:lvl3pPr marR="0" lvl="2" algn="l" rtl="0" eaLnBrk="1" hangingPunct="1">
+              <a:lnSpc>
+                <a:spcPct val="100000"/>
+              </a:lnSpc>
+              <a:spcBef>
+                <a:spcPts val="0"/>
+              </a:spcBef>
+              <a:spcAft>
+                <a:spcPts val="0"/>
+              </a:spcAft>
+              <a:buClr>
+                <a:srgbClr val="000000"/>
+              </a:buClr>
+              <a:buSzPts val="1400"/>
+              <a:buFont typeface="Arial"/>
+              <a:buNone/>
+              <a:defRPr sz="1800" b="0" i="0" u="none" strike="noStrike" cap="none">
+                <a:solidFill>
+                  <a:srgbClr val="000000"/>
+                </a:solidFill>
+                <a:latin typeface="Arial"/>
+                <a:ea typeface="Arial"/>
+                <a:cs typeface="Arial"/>
+                <a:sym typeface="Arial"/>
+              </a:defRPr>
+            </a:lvl3pPr>
+            <a:lvl4pPr marR="0" lvl="3" algn="l" rtl="0" eaLnBrk="1" hangingPunct="1">
+              <a:lnSpc>
+                <a:spcPct val="100000"/>
+              </a:lnSpc>
+              <a:spcBef>
+                <a:spcPts val="0"/>
+              </a:spcBef>
+              <a:spcAft>
+                <a:spcPts val="0"/>
+              </a:spcAft>
+              <a:buClr>
+                <a:srgbClr val="000000"/>
+              </a:buClr>
+              <a:buSzPts val="1400"/>
+              <a:buFont typeface="Arial"/>
+              <a:buNone/>
+              <a:defRPr sz="1800" b="0" i="0" u="none" strike="noStrike" cap="none">
+                <a:solidFill>
+                  <a:srgbClr val="000000"/>
+                </a:solidFill>
+                <a:latin typeface="Arial"/>
+                <a:ea typeface="Arial"/>
+                <a:cs typeface="Arial"/>
+                <a:sym typeface="Arial"/>
+              </a:defRPr>
+            </a:lvl4pPr>
+            <a:lvl5pPr marR="0" lvl="4" algn="l" rtl="0" eaLnBrk="1" hangingPunct="1">
+              <a:lnSpc>
+                <a:spcPct val="100000"/>
+              </a:lnSpc>
+              <a:spcBef>
+                <a:spcPts val="0"/>
+              </a:spcBef>
+              <a:spcAft>
+                <a:spcPts val="0"/>
+              </a:spcAft>
+              <a:buClr>
+                <a:srgbClr val="000000"/>
+              </a:buClr>
+              <a:buSzPts val="1400"/>
+              <a:buFont typeface="Arial"/>
+              <a:buNone/>
+              <a:defRPr sz="1800" b="0" i="0" u="none" strike="noStrike" cap="none">
+                <a:solidFill>
+                  <a:srgbClr val="000000"/>
+                </a:solidFill>
+                <a:latin typeface="Arial"/>
+                <a:ea typeface="Arial"/>
+                <a:cs typeface="Arial"/>
+                <a:sym typeface="Arial"/>
+              </a:defRPr>
+            </a:lvl5pPr>
+            <a:lvl6pPr marR="0" lvl="5" algn="l" rtl="0" eaLnBrk="1" hangingPunct="1">
+              <a:lnSpc>
+                <a:spcPct val="100000"/>
+              </a:lnSpc>
+              <a:spcBef>
+                <a:spcPts val="0"/>
+              </a:spcBef>
+              <a:spcAft>
+                <a:spcPts val="0"/>
+              </a:spcAft>
+              <a:buClr>
+                <a:srgbClr val="000000"/>
+              </a:buClr>
+              <a:buSzPts val="1400"/>
+              <a:buFont typeface="Arial"/>
+              <a:buNone/>
+              <a:defRPr sz="1800" b="0" i="0" u="none" strike="noStrike" cap="none">
+                <a:solidFill>
+                  <a:srgbClr val="000000"/>
+                </a:solidFill>
+                <a:latin typeface="Arial"/>
+                <a:ea typeface="Arial"/>
+                <a:cs typeface="Arial"/>
+                <a:sym typeface="Arial"/>
+              </a:defRPr>
+            </a:lvl6pPr>
+            <a:lvl7pPr marR="0" lvl="6" algn="l" rtl="0" eaLnBrk="1" hangingPunct="1">
+              <a:lnSpc>
+                <a:spcPct val="100000"/>
+              </a:lnSpc>
+              <a:spcBef>
+                <a:spcPts val="0"/>
+              </a:spcBef>
+              <a:spcAft>
+                <a:spcPts val="0"/>
+              </a:spcAft>
+              <a:buClr>
+                <a:srgbClr val="000000"/>
+              </a:buClr>
+              <a:buSzPts val="1400"/>
+              <a:buFont typeface="Arial"/>
+              <a:buNone/>
+              <a:defRPr sz="1800" b="0" i="0" u="none" strike="noStrike" cap="none">
+                <a:solidFill>
+                  <a:srgbClr val="000000"/>
+                </a:solidFill>
+                <a:latin typeface="Arial"/>
+                <a:ea typeface="Arial"/>
+                <a:cs typeface="Arial"/>
+                <a:sym typeface="Arial"/>
+              </a:defRPr>
+            </a:lvl7pPr>
+            <a:lvl8pPr marR="0" lvl="7" algn="l" rtl="0" eaLnBrk="1" hangingPunct="1">
+              <a:lnSpc>
+                <a:spcPct val="100000"/>
+              </a:lnSpc>
+              <a:spcBef>
+                <a:spcPts val="0"/>
+              </a:spcBef>
+              <a:spcAft>
+                <a:spcPts val="0"/>
+              </a:spcAft>
+              <a:buClr>
+                <a:srgbClr val="000000"/>
+              </a:buClr>
+              <a:buSzPts val="1400"/>
+              <a:buFont typeface="Arial"/>
+              <a:buNone/>
+              <a:defRPr sz="1800" b="0" i="0" u="none" strike="noStrike" cap="none">
+                <a:solidFill>
+                  <a:srgbClr val="000000"/>
+                </a:solidFill>
+                <a:latin typeface="Arial"/>
+                <a:ea typeface="Arial"/>
+                <a:cs typeface="Arial"/>
+                <a:sym typeface="Arial"/>
+              </a:defRPr>
+            </a:lvl8pPr>
+            <a:lvl9pPr marR="0" lvl="8" algn="l" rtl="0" eaLnBrk="1" hangingPunct="1">
+              <a:lnSpc>
+                <a:spcPct val="100000"/>
+              </a:lnSpc>
+              <a:spcBef>
+                <a:spcPts val="0"/>
+              </a:spcBef>
+              <a:spcAft>
+                <a:spcPts val="0"/>
+              </a:spcAft>
+              <a:buClr>
+                <a:srgbClr val="000000"/>
+              </a:buClr>
+              <a:buSzPts val="1400"/>
+              <a:buFont typeface="Arial"/>
+              <a:buNone/>
+              <a:defRPr sz="1800" b="0" i="0" u="none" strike="noStrike" cap="none">
+                <a:solidFill>
+                  <a:srgbClr val="000000"/>
+                </a:solidFill>
+                <a:latin typeface="Arial"/>
+                <a:ea typeface="Arial"/>
+                <a:cs typeface="Arial"/>
+                <a:sym typeface="Arial"/>
+              </a:defRPr>
+            </a:lvl9pPr>
+          </a:lstStyle>
+          <a:p>
+            <a:r>
+              <a:rPr lang="en-US" dirty="0">
+                <a:latin typeface="Calibri" panose="020F0502020204030204" pitchFamily="34" charset="0"/>
+                <a:cs typeface="Calibri" panose="020F0502020204030204" pitchFamily="34" charset="0"/>
+              </a:rPr>
+              <a:t>Visualization Code References</a:t>
+            </a:r>
+          </a:p>
+        </p:txBody>
+      </p:sp>
+      <p:sp>
+        <p:nvSpPr>
+          <p:cNvPr id="2" name="Google Shape;142;p26">
+            <a:extLst>
+              <a:ext uri="{FF2B5EF4-FFF2-40B4-BE49-F238E27FC236}">
+                <a16:creationId xmlns:a16="http://schemas.microsoft.com/office/drawing/2014/main" id="{7BD752DE-513B-0E80-9C0A-29BD5F862B62}"/>
+              </a:ext>
+            </a:extLst>
+          </p:cNvPr>
+          <p:cNvSpPr txBox="1">
+            <a:spLocks noGrp="1"/>
+          </p:cNvSpPr>
+          <p:nvPr>
+            <p:ph type="ftr" idx="11"/>
+          </p:nvPr>
+        </p:nvSpPr>
+        <p:spPr>
+          <a:prstGeom prst="rect">
+            <a:avLst/>
+          </a:prstGeom>
+          <a:noFill/>
+          <a:ln>
+            <a:noFill/>
+          </a:ln>
+        </p:spPr>
+        <p:txBody>
+          <a:bodyPr spcFirstLastPara="1" wrap="square" lIns="91425" tIns="45700" rIns="91425" bIns="45700" anchor="ctr" anchorCtr="0">
+            <a:noAutofit/>
+          </a:bodyPr>
+          <a:lstStyle/>
+          <a:p>
+            <a:pPr marL="0" lvl="0" indent="0" algn="ctr" rtl="0">
+              <a:spcBef>
+                <a:spcPts val="0"/>
+              </a:spcBef>
+              <a:spcAft>
+                <a:spcPts val="0"/>
+              </a:spcAft>
+              <a:buNone/>
+            </a:pPr>
+            <a:r>
+              <a:rPr lang="en" dirty="0">
+                <a:latin typeface="Calibri" panose="020F0502020204030204" pitchFamily="34" charset="0"/>
+                <a:cs typeface="Calibri" panose="020F0502020204030204" pitchFamily="34" charset="0"/>
+              </a:rPr>
+              <a:t>DSCI554, Fall ‘23</a:t>
+            </a:r>
+            <a:endParaRPr dirty="0">
+              <a:latin typeface="Calibri" panose="020F0502020204030204" pitchFamily="34" charset="0"/>
+              <a:cs typeface="Calibri" panose="020F0502020204030204" pitchFamily="34" charset="0"/>
+            </a:endParaRPr>
+          </a:p>
+        </p:txBody>
+      </p:sp>
+      <p:sp>
+        <p:nvSpPr>
+          <p:cNvPr id="6" name="Google Shape;156;p27">
+            <a:extLst>
+              <a:ext uri="{FF2B5EF4-FFF2-40B4-BE49-F238E27FC236}">
+                <a16:creationId xmlns:a16="http://schemas.microsoft.com/office/drawing/2014/main" id="{C9F80B8A-4830-9E9C-9593-B4C0301D75B5}"/>
+              </a:ext>
+            </a:extLst>
+          </p:cNvPr>
+          <p:cNvSpPr txBox="1">
+            <a:spLocks noGrp="1"/>
+          </p:cNvSpPr>
+          <p:nvPr>
+            <p:ph type="body" idx="1"/>
+          </p:nvPr>
+        </p:nvSpPr>
+        <p:spPr>
+          <a:xfrm>
+            <a:off x="404900" y="744438"/>
+            <a:ext cx="7407450" cy="3203308"/>
+          </a:xfrm>
+          <a:prstGeom prst="rect">
+            <a:avLst/>
+          </a:prstGeom>
+        </p:spPr>
+        <p:txBody>
+          <a:bodyPr spcFirstLastPara="1" wrap="square" lIns="91425" tIns="45700" rIns="91425" bIns="45700" anchor="t" anchorCtr="0">
+            <a:normAutofit/>
+          </a:bodyPr>
+          <a:lstStyle/>
+          <a:p>
+            <a:pPr marL="457200" lvl="0" indent="-330200" algn="l" rtl="0">
+              <a:lnSpc>
+                <a:spcPct val="115000"/>
+              </a:lnSpc>
+              <a:spcBef>
+                <a:spcPts val="0"/>
+              </a:spcBef>
+              <a:spcAft>
+                <a:spcPts val="0"/>
+              </a:spcAft>
+              <a:buSzPts val="1600"/>
+              <a:buFont typeface="Calibri"/>
+              <a:buChar char="-"/>
+            </a:pPr>
+            <a:r>
+              <a:rPr lang="en-US" sz="1600" dirty="0">
+                <a:latin typeface="Calibri" panose="020F0502020204030204" pitchFamily="34" charset="0"/>
+                <a:cs typeface="Calibri" panose="020F0502020204030204" pitchFamily="34" charset="0"/>
+              </a:rPr>
+              <a:t>Code for “html/</a:t>
+            </a:r>
+            <a:r>
+              <a:rPr lang="en-US" sz="1600" dirty="0" err="1">
+                <a:latin typeface="Calibri" panose="020F0502020204030204" pitchFamily="34" charset="0"/>
+                <a:cs typeface="Calibri" panose="020F0502020204030204" pitchFamily="34" charset="0"/>
+              </a:rPr>
+              <a:t>div_bars.html</a:t>
+            </a:r>
+            <a:r>
+              <a:rPr lang="en-US" sz="1600" dirty="0">
+                <a:latin typeface="Calibri" panose="020F0502020204030204" pitchFamily="34" charset="0"/>
+                <a:cs typeface="Calibri" panose="020F0502020204030204" pitchFamily="34" charset="0"/>
+              </a:rPr>
+              <a:t>”, “html/</a:t>
+            </a:r>
+            <a:r>
+              <a:rPr lang="en-US" sz="1600" dirty="0" err="1">
+                <a:latin typeface="Calibri" panose="020F0502020204030204" pitchFamily="34" charset="0"/>
+                <a:cs typeface="Calibri" panose="020F0502020204030204" pitchFamily="34" charset="0"/>
+              </a:rPr>
+              <a:t>svg_bars.html</a:t>
+            </a:r>
+            <a:r>
+              <a:rPr lang="en-US" sz="1600" dirty="0">
+                <a:latin typeface="Calibri" panose="020F0502020204030204" pitchFamily="34" charset="0"/>
+                <a:cs typeface="Calibri" panose="020F0502020204030204" pitchFamily="34" charset="0"/>
+              </a:rPr>
+              <a:t>”, and “html/</a:t>
+            </a:r>
+            <a:r>
+              <a:rPr lang="en-US" sz="1600" dirty="0" err="1">
+                <a:latin typeface="Calibri" panose="020F0502020204030204" pitchFamily="34" charset="0"/>
+                <a:cs typeface="Calibri" panose="020F0502020204030204" pitchFamily="34" charset="0"/>
+              </a:rPr>
+              <a:t>bubble_chart.html</a:t>
+            </a:r>
+            <a:r>
+              <a:rPr lang="en-US" sz="1600" dirty="0">
+                <a:latin typeface="Calibri" panose="020F0502020204030204" pitchFamily="34" charset="0"/>
+                <a:cs typeface="Calibri" panose="020F0502020204030204" pitchFamily="34" charset="0"/>
+              </a:rPr>
+              <a:t>” in the the GitHub repository are based off “D3 with data join” examples in the following respective lab files:</a:t>
+            </a:r>
+          </a:p>
+          <a:p>
+            <a:pPr lvl="1" indent="-330200">
+              <a:lnSpc>
+                <a:spcPct val="115000"/>
+              </a:lnSpc>
+              <a:spcBef>
+                <a:spcPts val="0"/>
+              </a:spcBef>
+              <a:buSzPts val="1600"/>
+              <a:buFont typeface="Calibri"/>
+              <a:buChar char="-"/>
+            </a:pPr>
+            <a:r>
+              <a:rPr lang="en-US" sz="1300" dirty="0">
+                <a:latin typeface="Calibri" panose="020F0502020204030204" pitchFamily="34" charset="0"/>
+                <a:cs typeface="Calibri" panose="020F0502020204030204" pitchFamily="34" charset="0"/>
+              </a:rPr>
+              <a:t>“2_div_bars.html”</a:t>
+            </a:r>
+          </a:p>
+          <a:p>
+            <a:pPr lvl="1" indent="-330200">
+              <a:lnSpc>
+                <a:spcPct val="115000"/>
+              </a:lnSpc>
+              <a:spcBef>
+                <a:spcPts val="0"/>
+              </a:spcBef>
+              <a:buSzPts val="1600"/>
+              <a:buFont typeface="Calibri"/>
+              <a:buChar char="-"/>
+            </a:pPr>
+            <a:r>
+              <a:rPr lang="en-US" sz="1300" dirty="0">
+                <a:latin typeface="Calibri" panose="020F0502020204030204" pitchFamily="34" charset="0"/>
+                <a:cs typeface="Calibri" panose="020F0502020204030204" pitchFamily="34" charset="0"/>
+              </a:rPr>
+              <a:t>“3_svg_bars.html”</a:t>
+            </a:r>
+          </a:p>
+          <a:p>
+            <a:pPr lvl="1" indent="-330200">
+              <a:lnSpc>
+                <a:spcPct val="115000"/>
+              </a:lnSpc>
+              <a:spcBef>
+                <a:spcPts val="0"/>
+              </a:spcBef>
+              <a:buSzPts val="1600"/>
+              <a:buFont typeface="Calibri"/>
+              <a:buChar char="-"/>
+            </a:pPr>
+            <a:r>
+              <a:rPr lang="en-US" sz="1300" dirty="0">
+                <a:latin typeface="Calibri" panose="020F0502020204030204" pitchFamily="34" charset="0"/>
+                <a:cs typeface="Calibri" panose="020F0502020204030204" pitchFamily="34" charset="0"/>
+              </a:rPr>
+              <a:t>“4_scatterplot.html”</a:t>
+            </a:r>
+          </a:p>
+          <a:p>
+            <a:pPr lvl="1" indent="-330200">
+              <a:lnSpc>
+                <a:spcPct val="115000"/>
+              </a:lnSpc>
+              <a:spcBef>
+                <a:spcPts val="0"/>
+              </a:spcBef>
+              <a:buSzPts val="1600"/>
+              <a:buFont typeface="Calibri"/>
+              <a:buChar char="-"/>
+            </a:pPr>
+            <a:r>
+              <a:rPr lang="en-US" sz="1300" dirty="0">
+                <a:latin typeface="Calibri" panose="020F0502020204030204" pitchFamily="34" charset="0"/>
+                <a:cs typeface="Calibri" panose="020F0502020204030204" pitchFamily="34" charset="0"/>
+              </a:rPr>
+              <a:t>(Axis, legends, and labels were added using </a:t>
+            </a:r>
+            <a:r>
+              <a:rPr lang="en-US" sz="1300" dirty="0" err="1">
+                <a:latin typeface="Calibri" panose="020F0502020204030204" pitchFamily="34" charset="0"/>
+                <a:cs typeface="Calibri" panose="020F0502020204030204" pitchFamily="34" charset="0"/>
+              </a:rPr>
+              <a:t>ChatGPT</a:t>
+            </a:r>
+            <a:r>
+              <a:rPr lang="en-US" sz="1300" dirty="0">
+                <a:latin typeface="Calibri" panose="020F0502020204030204" pitchFamily="34" charset="0"/>
+                <a:cs typeface="Calibri" panose="020F0502020204030204" pitchFamily="34" charset="0"/>
+              </a:rPr>
+              <a:t>)</a:t>
+            </a:r>
+          </a:p>
+          <a:p>
+            <a:pPr marL="457200" lvl="0" indent="-330200" algn="l" rtl="0">
+              <a:lnSpc>
+                <a:spcPct val="115000"/>
+              </a:lnSpc>
+              <a:spcBef>
+                <a:spcPts val="0"/>
+              </a:spcBef>
+              <a:spcAft>
+                <a:spcPts val="0"/>
+              </a:spcAft>
+              <a:buSzPts val="1600"/>
+              <a:buFont typeface="Calibri"/>
+              <a:buChar char="-"/>
+            </a:pPr>
+            <a:r>
+              <a:rPr lang="en-US" sz="1600" dirty="0">
+                <a:latin typeface="Calibri" panose="020F0502020204030204" pitchFamily="34" charset="0"/>
+                <a:cs typeface="Calibri" panose="020F0502020204030204" pitchFamily="34" charset="0"/>
+              </a:rPr>
+              <a:t>Code for “</a:t>
+            </a:r>
+            <a:r>
+              <a:rPr lang="en-US" sz="1600" dirty="0" err="1">
+                <a:latin typeface="Calibri" panose="020F0502020204030204" pitchFamily="34" charset="0"/>
+                <a:cs typeface="Calibri" panose="020F0502020204030204" pitchFamily="34" charset="0"/>
+              </a:rPr>
+              <a:t>bubble_cloud.html</a:t>
+            </a:r>
+            <a:r>
+              <a:rPr lang="en-US" sz="1600" dirty="0">
+                <a:latin typeface="Calibri" panose="020F0502020204030204" pitchFamily="34" charset="0"/>
+                <a:cs typeface="Calibri" panose="020F0502020204030204" pitchFamily="34" charset="0"/>
+              </a:rPr>
+              <a:t>” is based off sample code from Observable</a:t>
+            </a:r>
+          </a:p>
+          <a:p>
+            <a:pPr lvl="1" indent="-311150">
+              <a:lnSpc>
+                <a:spcPct val="115000"/>
+              </a:lnSpc>
+              <a:spcBef>
+                <a:spcPts val="0"/>
+              </a:spcBef>
+              <a:buSzPts val="1300"/>
+              <a:buFont typeface="Calibri"/>
+              <a:buChar char="-"/>
+            </a:pPr>
+            <a:r>
+              <a:rPr lang="en-US" sz="1300" dirty="0">
+                <a:latin typeface="Calibri" panose="020F0502020204030204" pitchFamily="34" charset="0"/>
+                <a:cs typeface="Calibri" panose="020F0502020204030204" pitchFamily="34" charset="0"/>
+                <a:hlinkClick r:id="rId3"/>
+              </a:rPr>
+              <a:t>https://observablehq.com/@d3/bubble-chart/2</a:t>
+            </a:r>
+            <a:endParaRPr lang="en-US" sz="1300" dirty="0">
+              <a:latin typeface="Calibri" panose="020F0502020204030204" pitchFamily="34" charset="0"/>
+              <a:cs typeface="Calibri" panose="020F0502020204030204" pitchFamily="34" charset="0"/>
+            </a:endParaRPr>
+          </a:p>
+        </p:txBody>
+      </p:sp>
+    </p:spTree>
+    <p:extLst>
+      <p:ext uri="{BB962C8B-B14F-4D97-AF65-F5344CB8AC3E}">
+        <p14:creationId xmlns:p14="http://schemas.microsoft.com/office/powerpoint/2010/main" val="3607955635"/>
+      </p:ext>
+    </p:extLst>
+  </p:cSld>
+  <p:clrMapOvr>
+    <a:masterClrMapping/>
+  </p:clrMapOvr>
+</p:sld>
+</file>
+
+<file path=ppt/slides/slide5.xml><?xml version="1.0" encoding="utf-8"?>
+<p:sld xmlns:a="http://schemas.openxmlformats.org/drawingml/2006/main" xmlns:r="http://schemas.openxmlformats.org/officeDocument/2006/relationships" xmlns:p="http://schemas.openxmlformats.org/presentationml/2006/main">
+  <p:cSld>
+    <p:spTree>
+      <p:nvGrpSpPr>
+        <p:cNvPr id="1" name="Shape 154"/>
+        <p:cNvGrpSpPr/>
+        <p:nvPr/>
+      </p:nvGrpSpPr>
+      <p:grpSpPr>
+        <a:xfrm>
+          <a:off x="0" y="0"/>
+          <a:ext cx="0" cy="0"/>
+          <a:chOff x="0" y="0"/>
+          <a:chExt cx="0" cy="0"/>
+        </a:xfrm>
+      </p:grpSpPr>
+      <p:sp>
+        <p:nvSpPr>
+          <p:cNvPr id="5" name="Google Shape;155;p27">
+            <a:extLst>
+              <a:ext uri="{FF2B5EF4-FFF2-40B4-BE49-F238E27FC236}">
+                <a16:creationId xmlns:a16="http://schemas.microsoft.com/office/drawing/2014/main" id="{E741B2FA-CB59-C099-844D-607E0FA7A42E}"/>
+              </a:ext>
+            </a:extLst>
+          </p:cNvPr>
+          <p:cNvSpPr txBox="1">
+            <a:spLocks/>
+          </p:cNvSpPr>
+          <p:nvPr/>
+        </p:nvSpPr>
+        <p:spPr>
+          <a:xfrm>
+            <a:off x="404900" y="-28910"/>
+            <a:ext cx="8110446" cy="994172"/>
+          </a:xfrm>
+          <a:prstGeom prst="rect">
+            <a:avLst/>
+          </a:prstGeom>
+          <a:noFill/>
+          <a:ln>
+            <a:noFill/>
+          </a:ln>
+        </p:spPr>
+        <p:txBody>
+          <a:bodyPr spcFirstLastPara="1" wrap="square" lIns="91425" tIns="45700" rIns="91425" bIns="45700" anchor="ctr" anchorCtr="0">
+            <a:normAutofit/>
+          </a:bodyPr>
+          <a:lstStyle>
+            <a:defPPr marR="0" lvl="0" algn="l" rtl="0">
+              <a:lnSpc>
+                <a:spcPct val="100000"/>
+              </a:lnSpc>
+              <a:spcBef>
+                <a:spcPts val="0"/>
+              </a:spcBef>
+              <a:spcAft>
+                <a:spcPts val="0"/>
+              </a:spcAft>
+            </a:defPPr>
+            <a:lvl1pPr marR="0" lvl="0" algn="l" rtl="0" eaLnBrk="1" hangingPunct="1">
+              <a:lnSpc>
+                <a:spcPct val="90000"/>
+              </a:lnSpc>
+              <a:spcBef>
+                <a:spcPts val="0"/>
+              </a:spcBef>
+              <a:spcAft>
+                <a:spcPts val="0"/>
+              </a:spcAft>
+              <a:buClr>
+                <a:srgbClr val="991B1D"/>
+              </a:buClr>
+              <a:buSzPts val="3300"/>
+              <a:buFont typeface="Calibri"/>
+              <a:buNone/>
+              <a:defRPr sz="3300" b="1" i="0" u="none" strike="noStrike" cap="none">
+                <a:solidFill>
+                  <a:srgbClr val="991B1D"/>
+                </a:solidFill>
+                <a:latin typeface="Calibri"/>
+                <a:ea typeface="Calibri"/>
+                <a:cs typeface="Calibri"/>
+                <a:sym typeface="Calibri"/>
+              </a:defRPr>
+            </a:lvl1pPr>
+            <a:lvl2pPr marR="0" lvl="1" algn="l" rtl="0" eaLnBrk="1" hangingPunct="1">
+              <a:lnSpc>
+                <a:spcPct val="100000"/>
+              </a:lnSpc>
+              <a:spcBef>
+                <a:spcPts val="0"/>
+              </a:spcBef>
+              <a:spcAft>
+                <a:spcPts val="0"/>
+              </a:spcAft>
+              <a:buClr>
+                <a:srgbClr val="000000"/>
+              </a:buClr>
+              <a:buSzPts val="1400"/>
+              <a:buFont typeface="Arial"/>
+              <a:buNone/>
+              <a:defRPr sz="1800" b="0" i="0" u="none" strike="noStrike" cap="none">
+                <a:solidFill>
+                  <a:srgbClr val="000000"/>
+                </a:solidFill>
+                <a:latin typeface="Arial"/>
+                <a:ea typeface="Arial"/>
+                <a:cs typeface="Arial"/>
+                <a:sym typeface="Arial"/>
+              </a:defRPr>
+            </a:lvl2pPr>
+            <a:lvl3pPr marR="0" lvl="2" algn="l" rtl="0" eaLnBrk="1" hangingPunct="1">
+              <a:lnSpc>
+                <a:spcPct val="100000"/>
+              </a:lnSpc>
+              <a:spcBef>
+                <a:spcPts val="0"/>
+              </a:spcBef>
+              <a:spcAft>
+                <a:spcPts val="0"/>
+              </a:spcAft>
+              <a:buClr>
+                <a:srgbClr val="000000"/>
+              </a:buClr>
+              <a:buSzPts val="1400"/>
+              <a:buFont typeface="Arial"/>
+              <a:buNone/>
+              <a:defRPr sz="1800" b="0" i="0" u="none" strike="noStrike" cap="none">
+                <a:solidFill>
+                  <a:srgbClr val="000000"/>
+                </a:solidFill>
+                <a:latin typeface="Arial"/>
+                <a:ea typeface="Arial"/>
+                <a:cs typeface="Arial"/>
+                <a:sym typeface="Arial"/>
+              </a:defRPr>
+            </a:lvl3pPr>
+            <a:lvl4pPr marR="0" lvl="3" algn="l" rtl="0" eaLnBrk="1" hangingPunct="1">
+              <a:lnSpc>
+                <a:spcPct val="100000"/>
+              </a:lnSpc>
+              <a:spcBef>
+                <a:spcPts val="0"/>
+              </a:spcBef>
+              <a:spcAft>
+                <a:spcPts val="0"/>
+              </a:spcAft>
+              <a:buClr>
+                <a:srgbClr val="000000"/>
+              </a:buClr>
+              <a:buSzPts val="1400"/>
+              <a:buFont typeface="Arial"/>
+              <a:buNone/>
+              <a:defRPr sz="1800" b="0" i="0" u="none" strike="noStrike" cap="none">
+                <a:solidFill>
+                  <a:srgbClr val="000000"/>
+                </a:solidFill>
+                <a:latin typeface="Arial"/>
+                <a:ea typeface="Arial"/>
+                <a:cs typeface="Arial"/>
+                <a:sym typeface="Arial"/>
+              </a:defRPr>
+            </a:lvl4pPr>
+            <a:lvl5pPr marR="0" lvl="4" algn="l" rtl="0" eaLnBrk="1" hangingPunct="1">
+              <a:lnSpc>
+                <a:spcPct val="100000"/>
+              </a:lnSpc>
+              <a:spcBef>
+                <a:spcPts val="0"/>
+              </a:spcBef>
+              <a:spcAft>
+                <a:spcPts val="0"/>
+              </a:spcAft>
+              <a:buClr>
+                <a:srgbClr val="000000"/>
+              </a:buClr>
+              <a:buSzPts val="1400"/>
+              <a:buFont typeface="Arial"/>
+              <a:buNone/>
+              <a:defRPr sz="1800" b="0" i="0" u="none" strike="noStrike" cap="none">
+                <a:solidFill>
+                  <a:srgbClr val="000000"/>
+                </a:solidFill>
+                <a:latin typeface="Arial"/>
+                <a:ea typeface="Arial"/>
+                <a:cs typeface="Arial"/>
+                <a:sym typeface="Arial"/>
+              </a:defRPr>
+            </a:lvl5pPr>
+            <a:lvl6pPr marR="0" lvl="5" algn="l" rtl="0" eaLnBrk="1" hangingPunct="1">
+              <a:lnSpc>
+                <a:spcPct val="100000"/>
+              </a:lnSpc>
+              <a:spcBef>
+                <a:spcPts val="0"/>
+              </a:spcBef>
+              <a:spcAft>
+                <a:spcPts val="0"/>
+              </a:spcAft>
+              <a:buClr>
+                <a:srgbClr val="000000"/>
+              </a:buClr>
+              <a:buSzPts val="1400"/>
+              <a:buFont typeface="Arial"/>
+              <a:buNone/>
+              <a:defRPr sz="1800" b="0" i="0" u="none" strike="noStrike" cap="none">
+                <a:solidFill>
+                  <a:srgbClr val="000000"/>
+                </a:solidFill>
+                <a:latin typeface="Arial"/>
+                <a:ea typeface="Arial"/>
+                <a:cs typeface="Arial"/>
+                <a:sym typeface="Arial"/>
+              </a:defRPr>
+            </a:lvl6pPr>
+            <a:lvl7pPr marR="0" lvl="6" algn="l" rtl="0" eaLnBrk="1" hangingPunct="1">
+              <a:lnSpc>
+                <a:spcPct val="100000"/>
+              </a:lnSpc>
+              <a:spcBef>
+                <a:spcPts val="0"/>
+              </a:spcBef>
+              <a:spcAft>
+                <a:spcPts val="0"/>
+              </a:spcAft>
+              <a:buClr>
+                <a:srgbClr val="000000"/>
+              </a:buClr>
+              <a:buSzPts val="1400"/>
+              <a:buFont typeface="Arial"/>
+              <a:buNone/>
+              <a:defRPr sz="1800" b="0" i="0" u="none" strike="noStrike" cap="none">
+                <a:solidFill>
+                  <a:srgbClr val="000000"/>
+                </a:solidFill>
+                <a:latin typeface="Arial"/>
+                <a:ea typeface="Arial"/>
+                <a:cs typeface="Arial"/>
+                <a:sym typeface="Arial"/>
+              </a:defRPr>
+            </a:lvl7pPr>
+            <a:lvl8pPr marR="0" lvl="7" algn="l" rtl="0" eaLnBrk="1" hangingPunct="1">
+              <a:lnSpc>
+                <a:spcPct val="100000"/>
+              </a:lnSpc>
+              <a:spcBef>
+                <a:spcPts val="0"/>
+              </a:spcBef>
+              <a:spcAft>
+                <a:spcPts val="0"/>
+              </a:spcAft>
+              <a:buClr>
+                <a:srgbClr val="000000"/>
+              </a:buClr>
+              <a:buSzPts val="1400"/>
+              <a:buFont typeface="Arial"/>
+              <a:buNone/>
+              <a:defRPr sz="1800" b="0" i="0" u="none" strike="noStrike" cap="none">
+                <a:solidFill>
+                  <a:srgbClr val="000000"/>
+                </a:solidFill>
+                <a:latin typeface="Arial"/>
+                <a:ea typeface="Arial"/>
+                <a:cs typeface="Arial"/>
+                <a:sym typeface="Arial"/>
+              </a:defRPr>
+            </a:lvl8pPr>
+            <a:lvl9pPr marR="0" lvl="8" algn="l" rtl="0" eaLnBrk="1" hangingPunct="1">
+              <a:lnSpc>
+                <a:spcPct val="100000"/>
+              </a:lnSpc>
+              <a:spcBef>
+                <a:spcPts val="0"/>
+              </a:spcBef>
+              <a:spcAft>
+                <a:spcPts val="0"/>
+              </a:spcAft>
+              <a:buClr>
+                <a:srgbClr val="000000"/>
+              </a:buClr>
+              <a:buSzPts val="1400"/>
+              <a:buFont typeface="Arial"/>
+              <a:buNone/>
+              <a:defRPr sz="1800" b="0" i="0" u="none" strike="noStrike" cap="none">
+                <a:solidFill>
+                  <a:srgbClr val="000000"/>
+                </a:solidFill>
+                <a:latin typeface="Arial"/>
+                <a:ea typeface="Arial"/>
+                <a:cs typeface="Arial"/>
+                <a:sym typeface="Arial"/>
+              </a:defRPr>
+            </a:lvl9pPr>
+          </a:lstStyle>
+          <a:p>
+            <a:r>
+              <a:rPr lang="en-US" dirty="0">
+                <a:latin typeface="Calibri" panose="020F0502020204030204" pitchFamily="34" charset="0"/>
+                <a:cs typeface="Calibri" panose="020F0502020204030204" pitchFamily="34" charset="0"/>
+              </a:rPr>
+              <a:t>Landing Page</a:t>
+            </a:r>
+          </a:p>
+        </p:txBody>
+      </p:sp>
+      <p:sp>
+        <p:nvSpPr>
+          <p:cNvPr id="2" name="Google Shape;142;p26">
+            <a:extLst>
+              <a:ext uri="{FF2B5EF4-FFF2-40B4-BE49-F238E27FC236}">
+                <a16:creationId xmlns:a16="http://schemas.microsoft.com/office/drawing/2014/main" id="{7BD752DE-513B-0E80-9C0A-29BD5F862B62}"/>
+              </a:ext>
+            </a:extLst>
+          </p:cNvPr>
+          <p:cNvSpPr txBox="1">
+            <a:spLocks noGrp="1"/>
+          </p:cNvSpPr>
+          <p:nvPr>
+            <p:ph type="ftr" idx="11"/>
+          </p:nvPr>
+        </p:nvSpPr>
+        <p:spPr>
+          <a:prstGeom prst="rect">
+            <a:avLst/>
+          </a:prstGeom>
+          <a:noFill/>
+          <a:ln>
+            <a:noFill/>
+          </a:ln>
+        </p:spPr>
+        <p:txBody>
+          <a:bodyPr spcFirstLastPara="1" wrap="square" lIns="91425" tIns="45700" rIns="91425" bIns="45700" anchor="ctr" anchorCtr="0">
+            <a:noAutofit/>
+          </a:bodyPr>
+          <a:lstStyle/>
+          <a:p>
+            <a:pPr marL="0" lvl="0" indent="0" algn="ctr" rtl="0">
+              <a:spcBef>
+                <a:spcPts val="0"/>
+              </a:spcBef>
+              <a:spcAft>
+                <a:spcPts val="0"/>
+              </a:spcAft>
+              <a:buNone/>
+            </a:pPr>
+            <a:r>
+              <a:rPr lang="en" dirty="0">
+                <a:latin typeface="Calibri" panose="020F0502020204030204" pitchFamily="34" charset="0"/>
+                <a:cs typeface="Calibri" panose="020F0502020204030204" pitchFamily="34" charset="0"/>
+              </a:rPr>
+              <a:t>DSCI554, Fall ‘23</a:t>
+            </a:r>
+            <a:endParaRPr dirty="0">
+              <a:latin typeface="Calibri" panose="020F0502020204030204" pitchFamily="34" charset="0"/>
+              <a:cs typeface="Calibri" panose="020F0502020204030204" pitchFamily="34" charset="0"/>
+            </a:endParaRPr>
+          </a:p>
+        </p:txBody>
+      </p:sp>
+      <p:sp>
+        <p:nvSpPr>
+          <p:cNvPr id="6" name="Google Shape;156;p27">
+            <a:extLst>
+              <a:ext uri="{FF2B5EF4-FFF2-40B4-BE49-F238E27FC236}">
+                <a16:creationId xmlns:a16="http://schemas.microsoft.com/office/drawing/2014/main" id="{C9F80B8A-4830-9E9C-9593-B4C0301D75B5}"/>
+              </a:ext>
+            </a:extLst>
+          </p:cNvPr>
+          <p:cNvSpPr txBox="1">
+            <a:spLocks noGrp="1"/>
+          </p:cNvSpPr>
+          <p:nvPr>
+            <p:ph type="body" idx="1"/>
+          </p:nvPr>
+        </p:nvSpPr>
+        <p:spPr>
+          <a:xfrm>
+            <a:off x="404900" y="744438"/>
+            <a:ext cx="3870951" cy="3203308"/>
+          </a:xfrm>
+          <a:prstGeom prst="rect">
+            <a:avLst/>
+          </a:prstGeom>
+        </p:spPr>
+        <p:txBody>
+          <a:bodyPr spcFirstLastPara="1" wrap="square" lIns="91425" tIns="45700" rIns="91425" bIns="45700" anchor="t" anchorCtr="0">
+            <a:normAutofit/>
+          </a:bodyPr>
+          <a:lstStyle/>
+          <a:p>
+            <a:pPr marL="457200" lvl="0" indent="-330200" algn="l" rtl="0">
+              <a:lnSpc>
+                <a:spcPct val="115000"/>
+              </a:lnSpc>
+              <a:spcBef>
+                <a:spcPts val="0"/>
+              </a:spcBef>
+              <a:spcAft>
+                <a:spcPts val="0"/>
+              </a:spcAft>
+              <a:buSzPts val="1600"/>
+              <a:buFont typeface="Calibri"/>
+              <a:buChar char="-"/>
+            </a:pPr>
+            <a:r>
+              <a:rPr lang="en-US" sz="1600" dirty="0">
+                <a:latin typeface="Calibri" panose="020F0502020204030204" pitchFamily="34" charset="0"/>
+                <a:cs typeface="Calibri" panose="020F0502020204030204" pitchFamily="34" charset="0"/>
+              </a:rPr>
+              <a:t>"</a:t>
+            </a:r>
+            <a:r>
+              <a:rPr lang="en-US" sz="1600" dirty="0" err="1">
+                <a:latin typeface="Calibri" panose="020F0502020204030204" pitchFamily="34" charset="0"/>
+                <a:cs typeface="Calibri" panose="020F0502020204030204" pitchFamily="34" charset="0"/>
+              </a:rPr>
+              <a:t>index.html</a:t>
+            </a:r>
+            <a:r>
+              <a:rPr lang="en-US" sz="1600" dirty="0">
+                <a:latin typeface="Calibri" panose="020F0502020204030204" pitchFamily="34" charset="0"/>
+                <a:cs typeface="Calibri" panose="020F0502020204030204" pitchFamily="34" charset="0"/>
+              </a:rPr>
+              <a:t>" is the landing page. It can be served on a browser via hot-reload: </a:t>
+            </a:r>
+            <a:br>
+              <a:rPr lang="en-US" sz="1600" dirty="0">
+                <a:latin typeface="Calibri" panose="020F0502020204030204" pitchFamily="34" charset="0"/>
+                <a:cs typeface="Calibri" panose="020F0502020204030204" pitchFamily="34" charset="0"/>
+              </a:rPr>
+            </a:br>
+            <a:br>
+              <a:rPr lang="en-US" sz="1600" dirty="0">
+                <a:latin typeface="Calibri" panose="020F0502020204030204" pitchFamily="34" charset="0"/>
+                <a:cs typeface="Calibri" panose="020F0502020204030204" pitchFamily="34" charset="0"/>
+              </a:rPr>
+            </a:br>
+            <a:br>
+              <a:rPr lang="en-US" sz="1600" dirty="0">
+                <a:latin typeface="Calibri" panose="020F0502020204030204" pitchFamily="34" charset="0"/>
+                <a:cs typeface="Calibri" panose="020F0502020204030204" pitchFamily="34" charset="0"/>
+              </a:rPr>
+            </a:br>
+            <a:br>
+              <a:rPr lang="en-US" sz="1600" dirty="0">
+                <a:latin typeface="Calibri" panose="020F0502020204030204" pitchFamily="34" charset="0"/>
+                <a:cs typeface="Calibri" panose="020F0502020204030204" pitchFamily="34" charset="0"/>
+              </a:rPr>
+            </a:br>
+            <a:endParaRPr lang="en-US" sz="1600" dirty="0">
+              <a:latin typeface="Calibri" panose="020F0502020204030204" pitchFamily="34" charset="0"/>
+              <a:cs typeface="Calibri" panose="020F0502020204030204" pitchFamily="34" charset="0"/>
+            </a:endParaRPr>
+          </a:p>
+          <a:p>
+            <a:pPr marL="457200" lvl="0" indent="-330200" algn="l" rtl="0">
+              <a:lnSpc>
+                <a:spcPct val="115000"/>
+              </a:lnSpc>
+              <a:spcBef>
+                <a:spcPts val="0"/>
+              </a:spcBef>
+              <a:spcAft>
+                <a:spcPts val="0"/>
+              </a:spcAft>
+              <a:buSzPts val="1600"/>
+              <a:buFont typeface="Calibri"/>
+              <a:buChar char="-"/>
+            </a:pPr>
+            <a:r>
+              <a:rPr lang="en-US" sz="1600" dirty="0">
+                <a:latin typeface="Calibri" panose="020F0502020204030204" pitchFamily="34" charset="0"/>
+                <a:cs typeface="Calibri" panose="020F0502020204030204" pitchFamily="34" charset="0"/>
+              </a:rPr>
+              <a:t>Alternately, this page can be viewed in GitHub at </a:t>
+            </a:r>
+            <a:r>
+              <a:rPr lang="en-US" sz="1600" dirty="0">
+                <a:latin typeface="Calibri" panose="020F0502020204030204" pitchFamily="34" charset="0"/>
+                <a:cs typeface="Calibri" panose="020F0502020204030204" pitchFamily="34" charset="0"/>
+                <a:hlinkClick r:id="rId3"/>
+              </a:rPr>
+              <a:t>https://egunadi.github.io/dsci554-a4/</a:t>
+            </a:r>
+            <a:r>
+              <a:rPr lang="en-US" sz="1600" dirty="0">
+                <a:latin typeface="Calibri" panose="020F0502020204030204" pitchFamily="34" charset="0"/>
+                <a:cs typeface="Calibri" panose="020F0502020204030204" pitchFamily="34" charset="0"/>
+              </a:rPr>
+              <a:t> </a:t>
+            </a:r>
+          </a:p>
+          <a:p>
+            <a:pPr indent="-311150">
+              <a:lnSpc>
+                <a:spcPct val="115000"/>
+              </a:lnSpc>
+              <a:spcBef>
+                <a:spcPts val="0"/>
+              </a:spcBef>
+              <a:buSzPts val="1300"/>
+              <a:buFont typeface="Calibri"/>
+              <a:buChar char="-"/>
+            </a:pPr>
+            <a:endParaRPr lang="en" sz="1600" dirty="0">
+              <a:latin typeface="Calibri" panose="020F0502020204030204" pitchFamily="34" charset="0"/>
+              <a:cs typeface="Calibri" panose="020F0502020204030204" pitchFamily="34" charset="0"/>
+            </a:endParaRPr>
+          </a:p>
+        </p:txBody>
+      </p:sp>
+      <p:pic>
+        <p:nvPicPr>
+          <p:cNvPr id="3" name="Picture 2">
+            <a:extLst>
+              <a:ext uri="{FF2B5EF4-FFF2-40B4-BE49-F238E27FC236}">
+                <a16:creationId xmlns:a16="http://schemas.microsoft.com/office/drawing/2014/main" id="{A46B0062-1722-C965-431A-956E7061F0E8}"/>
+              </a:ext>
+            </a:extLst>
+          </p:cNvPr>
+          <p:cNvPicPr>
+            <a:picLocks noChangeAspect="1"/>
+          </p:cNvPicPr>
+          <p:nvPr/>
+        </p:nvPicPr>
+        <p:blipFill>
+          <a:blip r:embed="rId4"/>
+          <a:stretch>
+            <a:fillRect/>
+          </a:stretch>
+        </p:blipFill>
+        <p:spPr>
+          <a:xfrm>
+            <a:off x="897103" y="1738610"/>
+            <a:ext cx="3581346" cy="738260"/>
+          </a:xfrm>
+          <a:prstGeom prst="rect">
+            <a:avLst/>
+          </a:prstGeom>
+        </p:spPr>
+      </p:pic>
+      <p:pic>
+        <p:nvPicPr>
+          <p:cNvPr id="7" name="Picture 6">
+            <a:extLst>
+              <a:ext uri="{FF2B5EF4-FFF2-40B4-BE49-F238E27FC236}">
+                <a16:creationId xmlns:a16="http://schemas.microsoft.com/office/drawing/2014/main" id="{F83193BD-92A9-44E3-9E86-376D5542927B}"/>
+              </a:ext>
+            </a:extLst>
+          </p:cNvPr>
+          <p:cNvPicPr>
+            <a:picLocks noChangeAspect="1"/>
+          </p:cNvPicPr>
+          <p:nvPr/>
+        </p:nvPicPr>
+        <p:blipFill>
+          <a:blip r:embed="rId5"/>
+          <a:stretch>
+            <a:fillRect/>
+          </a:stretch>
+        </p:blipFill>
+        <p:spPr>
+          <a:xfrm>
+            <a:off x="4478449" y="568054"/>
+            <a:ext cx="3600471" cy="3626158"/>
+          </a:xfrm>
+          <a:prstGeom prst="rect">
+            <a:avLst/>
+          </a:prstGeom>
+        </p:spPr>
+      </p:pic>
+    </p:spTree>
+    <p:extLst>
+      <p:ext uri="{BB962C8B-B14F-4D97-AF65-F5344CB8AC3E}">
+        <p14:creationId xmlns:p14="http://schemas.microsoft.com/office/powerpoint/2010/main" val="966621500"/>
+      </p:ext>
+    </p:extLst>
+  </p:cSld>
+  <p:clrMapOvr>
+    <a:masterClrMapping/>
+  </p:clrMapOvr>
+</p:sld>
+</file>
+
+<file path=ppt/slides/slide6.xml><?xml version="1.0" encoding="utf-8"?>
 <p:sld xmlns:a="http://schemas.openxmlformats.org/drawingml/2006/main" xmlns:r="http://schemas.openxmlformats.org/officeDocument/2006/relationships" xmlns:p="http://schemas.openxmlformats.org/presentationml/2006/main">
   <p:cSld>
     <p:spTree>
